--- a/并发控制/cc_to/slides/cc_to.pptx
+++ b/并发控制/cc_to/slides/cc_to.pptx
@@ -6,10 +6,10 @@
     <p:sldMasterId id="2147483672" r:id="rId2"/>
   </p:sldMasterIdLst>
   <p:notesMasterIdLst>
-    <p:notesMasterId r:id="rId19"/>
+    <p:notesMasterId r:id="rId20"/>
   </p:notesMasterIdLst>
   <p:handoutMasterIdLst>
-    <p:handoutMasterId r:id="rId20"/>
+    <p:handoutMasterId r:id="rId21"/>
   </p:handoutMasterIdLst>
   <p:sldIdLst>
     <p:sldId id="256" r:id="rId3"/>
@@ -20,14 +20,15 @@
     <p:sldId id="275" r:id="rId8"/>
     <p:sldId id="276" r:id="rId9"/>
     <p:sldId id="277" r:id="rId10"/>
-    <p:sldId id="265" r:id="rId11"/>
-    <p:sldId id="260" r:id="rId12"/>
-    <p:sldId id="266" r:id="rId13"/>
-    <p:sldId id="272" r:id="rId14"/>
-    <p:sldId id="273" r:id="rId15"/>
-    <p:sldId id="274" r:id="rId16"/>
-    <p:sldId id="270" r:id="rId17"/>
-    <p:sldId id="271" r:id="rId18"/>
+    <p:sldId id="278" r:id="rId11"/>
+    <p:sldId id="265" r:id="rId12"/>
+    <p:sldId id="260" r:id="rId13"/>
+    <p:sldId id="266" r:id="rId14"/>
+    <p:sldId id="272" r:id="rId15"/>
+    <p:sldId id="273" r:id="rId16"/>
+    <p:sldId id="274" r:id="rId17"/>
+    <p:sldId id="270" r:id="rId18"/>
+    <p:sldId id="271" r:id="rId19"/>
   </p:sldIdLst>
   <p:sldSz cx="9144000" cy="6858000" type="screen4x3"/>
   <p:notesSz cx="6858000" cy="9144000"/>
@@ -139,6 +140,7 @@
             <p14:sldId id="275"/>
             <p14:sldId id="276"/>
             <p14:sldId id="277"/>
+            <p14:sldId id="278"/>
             <p14:sldId id="265"/>
             <p14:sldId id="260"/>
             <p14:sldId id="266"/>
@@ -8520,6 +8522,13 @@
   <p:transition spd="slow" advTm="13351">
     <p:push dir="u"/>
   </p:transition>
+  <p:timing>
+    <p:tnLst>
+      <p:par>
+        <p:cTn id="1" dur="indefinite" restart="never" nodeType="tmRoot"/>
+      </p:par>
+    </p:tnLst>
+  </p:timing>
 </p:sld>
 </file>
 
@@ -8557,7 +8566,7 @@
           <a:p>
             <a:r>
               <a:rPr lang="zh-CN" altLang="en-US" dirty="0"/>
-              <a:t>全局变量</a:t>
+              <a:t>代码结构</a:t>
             </a:r>
           </a:p>
         </p:txBody>
@@ -8630,238 +8639,128 @@
         <p:spPr/>
         <p:txBody>
           <a:bodyPr>
-            <a:normAutofit fontScale="92500" lnSpcReduction="20000"/>
+            <a:normAutofit/>
           </a:bodyPr>
           <a:lstStyle/>
           <a:p>
+            <a:pPr marL="0" indent="0">
+              <a:buNone/>
+            </a:pPr>
+            <a:endParaRPr lang="en-US" altLang="zh-CN" dirty="0"/>
+          </a:p>
+          <a:p>
+            <a:r>
+              <a:rPr lang="en-US" altLang="zh-CN" dirty="0" err="1"/>
+              <a:t>cc_to.h</a:t>
+            </a:r>
             <a:r>
               <a:rPr lang="en-US" altLang="zh-CN" dirty="0"/>
-              <a:t>request</a:t>
+              <a:t>/.</a:t>
+            </a:r>
+            <a:r>
+              <a:rPr lang="en-US" altLang="zh-CN" dirty="0" err="1"/>
+              <a:t>cpp</a:t>
             </a:r>
             <a:r>
               <a:rPr lang="zh-CN" altLang="en-US" dirty="0"/>
-              <a:t>类型：</a:t>
+              <a:t>：基于</a:t>
+            </a:r>
+            <a:r>
+              <a:rPr lang="en-US" altLang="zh-CN" dirty="0"/>
+              <a:t>basic to</a:t>
+            </a:r>
+            <a:r>
+              <a:rPr lang="zh-CN" altLang="en-US" dirty="0"/>
+              <a:t>的读写操作的实现</a:t>
             </a:r>
             <a:endParaRPr lang="en-US" altLang="zh-CN" dirty="0"/>
           </a:p>
           <a:p>
-            <a:pPr lvl="1"/>
-            <a:r>
-              <a:rPr lang="en-US" altLang="zh-CN" sz="2200" dirty="0" err="1"/>
-              <a:t>enum</a:t>
-            </a:r>
-            <a:r>
-              <a:rPr lang="en-US" altLang="zh-CN" sz="2200" dirty="0"/>
-              <a:t> </a:t>
-            </a:r>
-            <a:r>
-              <a:rPr lang="en-US" altLang="zh-CN" sz="2200" dirty="0" err="1"/>
-              <a:t>TsType</a:t>
-            </a:r>
-            <a:r>
-              <a:rPr lang="en-US" altLang="zh-CN" sz="2200" dirty="0"/>
-              <a:t> { R_REQ, W_REQ, P_REQ };</a:t>
-            </a:r>
-          </a:p>
-          <a:p>
-            <a:pPr lvl="1"/>
-            <a:r>
-              <a:rPr lang="zh-CN" altLang="en-US" sz="1900" dirty="0"/>
-              <a:t>三种</a:t>
-            </a:r>
-            <a:r>
-              <a:rPr lang="en-US" altLang="zh-CN" sz="1900" dirty="0"/>
-              <a:t>request</a:t>
-            </a:r>
-            <a:r>
-              <a:rPr lang="zh-CN" altLang="en-US" sz="1900" dirty="0"/>
-              <a:t>类型，</a:t>
-            </a:r>
-            <a:r>
-              <a:rPr lang="en-US" altLang="zh-CN" sz="1900" dirty="0"/>
-              <a:t>R_REQ</a:t>
-            </a:r>
-            <a:r>
-              <a:rPr lang="zh-CN" altLang="en-US" sz="1900" dirty="0"/>
-              <a:t>代表读请求，</a:t>
-            </a:r>
-            <a:r>
-              <a:rPr lang="en-US" altLang="zh-CN" sz="1900" dirty="0"/>
-              <a:t>W_REQ</a:t>
-            </a:r>
-            <a:r>
-              <a:rPr lang="zh-CN" altLang="en-US" sz="1900" dirty="0"/>
-              <a:t>代表写请求，</a:t>
-            </a:r>
-            <a:r>
-              <a:rPr lang="en-US" altLang="zh-CN" sz="1900" dirty="0"/>
-              <a:t>P_REQ</a:t>
-            </a:r>
-            <a:r>
-              <a:rPr lang="zh-CN" altLang="en-US" sz="1900" dirty="0"/>
-              <a:t>代表预写请求</a:t>
-            </a:r>
-            <a:endParaRPr lang="en-US" altLang="zh-CN" sz="1900" dirty="0"/>
-          </a:p>
-          <a:p>
+            <a:r>
+              <a:rPr lang="en-US" altLang="zh-CN" dirty="0" err="1"/>
+              <a:t>data_to.h</a:t>
+            </a:r>
+            <a:r>
+              <a:rPr lang="en-US" altLang="zh-CN" dirty="0"/>
+              <a:t>/.</a:t>
+            </a:r>
+            <a:r>
+              <a:rPr lang="en-US" altLang="zh-CN" dirty="0" err="1"/>
+              <a:t>cpp</a:t>
+            </a:r>
             <a:r>
               <a:rPr lang="zh-CN" altLang="en-US" dirty="0"/>
-              <a:t>返回值：</a:t>
+              <a:t>：</a:t>
+            </a:r>
+            <a:r>
+              <a:rPr lang="en-US" altLang="zh-CN" dirty="0"/>
+              <a:t>basic to</a:t>
+            </a:r>
+            <a:r>
+              <a:rPr lang="zh-CN" altLang="en-US" dirty="0"/>
+              <a:t>的算法实现</a:t>
             </a:r>
             <a:endParaRPr lang="en-US" altLang="zh-CN" dirty="0"/>
           </a:p>
           <a:p>
-            <a:pPr lvl="1"/>
-            <a:r>
-              <a:rPr lang="en-US" altLang="zh-CN" sz="2000" dirty="0" err="1"/>
-              <a:t>enum</a:t>
-            </a:r>
-            <a:r>
-              <a:rPr lang="en-US" altLang="zh-CN" sz="2000" dirty="0"/>
-              <a:t> RC { RCOK,  ERROR, ABORT, NOT_FOUND, ALREADY_EXIST };</a:t>
-            </a:r>
-          </a:p>
-          <a:p>
-            <a:pPr lvl="1"/>
-            <a:r>
-              <a:rPr lang="zh-CN" altLang="en-US" sz="2000" dirty="0"/>
-              <a:t>代表操作的结果类型，</a:t>
-            </a:r>
-            <a:r>
-              <a:rPr lang="en-US" altLang="zh-CN" sz="2000" dirty="0"/>
-              <a:t>RCOK </a:t>
-            </a:r>
-            <a:r>
-              <a:rPr lang="zh-CN" altLang="en-US" sz="2000" dirty="0"/>
-              <a:t>正确，</a:t>
-            </a:r>
-            <a:r>
-              <a:rPr lang="en-US" altLang="zh-CN" sz="2000" dirty="0"/>
-              <a:t>ERROR </a:t>
-            </a:r>
-            <a:r>
-              <a:rPr lang="zh-CN" altLang="en-US" sz="2000" dirty="0"/>
-              <a:t>错误，</a:t>
-            </a:r>
-            <a:r>
-              <a:rPr lang="en-US" altLang="zh-CN" sz="2000" dirty="0"/>
-              <a:t>NOT_FOUND </a:t>
-            </a:r>
-            <a:r>
-              <a:rPr lang="zh-CN" altLang="en-US" sz="2000" dirty="0"/>
-              <a:t>数据项不存在， </a:t>
-            </a:r>
-            <a:r>
-              <a:rPr lang="en-US" altLang="zh-CN" sz="2000" dirty="0"/>
-              <a:t>ALREADY_EXIST </a:t>
-            </a:r>
-            <a:r>
-              <a:rPr lang="zh-CN" altLang="en-US" sz="2000" dirty="0"/>
-              <a:t>数据项已存在，</a:t>
-            </a:r>
-            <a:r>
-              <a:rPr lang="en-US" altLang="zh-CN" sz="2000" dirty="0"/>
-              <a:t>ABORT </a:t>
-            </a:r>
-            <a:r>
-              <a:rPr lang="zh-CN" altLang="en-US" sz="2000" dirty="0"/>
-              <a:t>事务失败</a:t>
-            </a:r>
-            <a:endParaRPr lang="en-US" altLang="zh-CN" sz="2000" dirty="0"/>
-          </a:p>
-          <a:p>
+            <a:r>
+              <a:rPr lang="en-US" altLang="zh-CN" dirty="0"/>
+              <a:t>main.cpp</a:t>
+            </a:r>
             <a:r>
               <a:rPr lang="zh-CN" altLang="en-US" dirty="0"/>
-              <a:t>并发策略：</a:t>
-            </a:r>
-            <a:endParaRPr lang="en-US" altLang="zh-CN" dirty="0"/>
-          </a:p>
-          <a:p>
-            <a:pPr lvl="1"/>
-            <a:r>
-              <a:rPr lang="en-US" altLang="zh-CN" sz="2100" dirty="0" err="1"/>
-              <a:t>enum</a:t>
-            </a:r>
-            <a:r>
-              <a:rPr lang="en-US" altLang="zh-CN" sz="2100" dirty="0"/>
-              <a:t> </a:t>
-            </a:r>
-            <a:r>
-              <a:rPr lang="en-US" altLang="zh-CN" sz="2100" dirty="0" err="1"/>
-              <a:t>cc_type</a:t>
-            </a:r>
-            <a:r>
-              <a:rPr lang="en-US" altLang="zh-CN" sz="2100" dirty="0"/>
-              <a:t> {CC_LOCK, CC_OCC, CC_TO};</a:t>
-            </a:r>
-          </a:p>
-          <a:p>
-            <a:pPr lvl="1"/>
-            <a:r>
-              <a:rPr lang="zh-CN" altLang="en-US" sz="2100" dirty="0"/>
-              <a:t>代表三种并发策略，</a:t>
-            </a:r>
-            <a:r>
-              <a:rPr lang="en-US" altLang="zh-CN" sz="2100" dirty="0"/>
-              <a:t>LOCK </a:t>
-            </a:r>
-            <a:r>
-              <a:rPr lang="zh-CN" altLang="en-US" sz="2100" dirty="0"/>
-              <a:t>基于锁，</a:t>
-            </a:r>
-            <a:r>
-              <a:rPr lang="en-US" altLang="zh-CN" sz="2100" dirty="0"/>
-              <a:t>OCC </a:t>
-            </a:r>
-            <a:r>
-              <a:rPr lang="zh-CN" altLang="en-US" sz="2100" dirty="0"/>
-              <a:t>乐观并发控制，</a:t>
-            </a:r>
-            <a:r>
-              <a:rPr lang="en-US" altLang="zh-CN" sz="2100" dirty="0"/>
-              <a:t>TO</a:t>
-            </a:r>
-            <a:r>
-              <a:rPr lang="zh-CN" altLang="en-US" sz="2100" dirty="0"/>
-              <a:t>基于时间戳</a:t>
-            </a:r>
-            <a:endParaRPr lang="en-US" altLang="zh-CN" sz="2100" dirty="0"/>
-          </a:p>
-          <a:p>
-            <a:pPr lvl="1"/>
-            <a:r>
-              <a:rPr lang="zh-CN" altLang="en-US" sz="2100" dirty="0"/>
-              <a:t>通过配置</a:t>
-            </a:r>
-            <a:r>
-              <a:rPr lang="en-US" altLang="zh-CN" sz="2100" dirty="0"/>
-              <a:t>Engine</a:t>
-            </a:r>
-            <a:r>
-              <a:rPr lang="zh-CN" altLang="en-US" sz="2100" dirty="0"/>
-              <a:t>的</a:t>
-            </a:r>
-            <a:r>
-              <a:rPr lang="en-US" altLang="zh-CN" sz="2100" dirty="0" err="1"/>
-              <a:t>cc_type</a:t>
-            </a:r>
-            <a:r>
-              <a:rPr lang="zh-CN" altLang="en-US" sz="2100" dirty="0"/>
-              <a:t>，指定所需的并发策略</a:t>
-            </a:r>
-          </a:p>
-        </p:txBody>
-      </p:sp>
+              <a:t>：程序入口，测试程序的实现</a:t>
+            </a:r>
+          </a:p>
+        </p:txBody>
+      </p:sp>
+      <p:pic>
+        <p:nvPicPr>
+          <p:cNvPr id="6" name="图片 5"/>
+          <p:cNvPicPr>
+            <a:picLocks noChangeAspect="1"/>
+          </p:cNvPicPr>
+          <p:nvPr/>
+        </p:nvPicPr>
+        <p:blipFill>
+          <a:blip r:embed="rId2">
+            <a:extLst>
+              <a:ext uri="{28A0092B-C50C-407E-A947-70E740481C1C}">
+                <a14:useLocalDpi xmlns:a14="http://schemas.microsoft.com/office/drawing/2010/main" val="0"/>
+              </a:ext>
+            </a:extLst>
+          </a:blip>
+          <a:stretch>
+            <a:fillRect/>
+          </a:stretch>
+        </p:blipFill>
+        <p:spPr>
+          <a:xfrm>
+            <a:off x="6495427" y="3756798"/>
+            <a:ext cx="2467319" cy="2600688"/>
+          </a:xfrm>
+          <a:prstGeom prst="rect">
+            <a:avLst/>
+          </a:prstGeom>
+        </p:spPr>
+      </p:pic>
     </p:spTree>
     <p:extLst>
       <p:ext uri="{BB962C8B-B14F-4D97-AF65-F5344CB8AC3E}">
-        <p14:creationId xmlns:p14="http://schemas.microsoft.com/office/powerpoint/2010/main" val="710300002"/>
+        <p14:creationId xmlns:p14="http://schemas.microsoft.com/office/powerpoint/2010/main" val="2648620582"/>
       </p:ext>
     </p:extLst>
   </p:cSld>
   <p:clrMapOvr>
     <a:masterClrMapping/>
   </p:clrMapOvr>
+  <p:timing>
+    <p:tnLst>
+      <p:par>
+        <p:cTn id="1" dur="indefinite" restart="never" nodeType="tmRoot"/>
+      </p:par>
+    </p:tnLst>
+  </p:timing>
 </p:sld>
 </file>
 
@@ -8899,7 +8798,7 @@
           <a:p>
             <a:r>
               <a:rPr lang="zh-CN" altLang="en-US" dirty="0"/>
-              <a:t>数据结构</a:t>
+              <a:t>全局变量</a:t>
             </a:r>
           </a:p>
         </p:txBody>
@@ -8950,6 +8849,355 @@
               <a:rPr kumimoji="0" lang="en-US" smtClean="0"/>
               <a:pPr eaLnBrk="1" latinLnBrk="0" hangingPunct="1"/>
               <a:t>11</a:t>
+            </a:fld>
+            <a:endParaRPr kumimoji="0" lang="en-US" dirty="0">
+              <a:solidFill>
+                <a:srgbClr val="FFFFFF"/>
+              </a:solidFill>
+            </a:endParaRPr>
+          </a:p>
+        </p:txBody>
+      </p:sp>
+      <p:sp>
+        <p:nvSpPr>
+          <p:cNvPr id="5" name="内容占位符 4"/>
+          <p:cNvSpPr>
+            <a:spLocks noGrp="1"/>
+          </p:cNvSpPr>
+          <p:nvPr>
+            <p:ph sz="quarter" idx="1"/>
+          </p:nvPr>
+        </p:nvSpPr>
+        <p:spPr/>
+        <p:txBody>
+          <a:bodyPr>
+            <a:normAutofit fontScale="92500" lnSpcReduction="20000"/>
+          </a:bodyPr>
+          <a:lstStyle/>
+          <a:p>
+            <a:r>
+              <a:rPr lang="en-US" altLang="zh-CN" dirty="0"/>
+              <a:t>request</a:t>
+            </a:r>
+            <a:r>
+              <a:rPr lang="zh-CN" altLang="en-US" dirty="0"/>
+              <a:t>类型：</a:t>
+            </a:r>
+            <a:endParaRPr lang="en-US" altLang="zh-CN" dirty="0"/>
+          </a:p>
+          <a:p>
+            <a:pPr lvl="1"/>
+            <a:r>
+              <a:rPr lang="en-US" altLang="zh-CN" sz="2200" dirty="0" err="1"/>
+              <a:t>enum</a:t>
+            </a:r>
+            <a:r>
+              <a:rPr lang="en-US" altLang="zh-CN" sz="2200" dirty="0"/>
+              <a:t> </a:t>
+            </a:r>
+            <a:r>
+              <a:rPr lang="en-US" altLang="zh-CN" sz="2200" dirty="0" err="1"/>
+              <a:t>TsType</a:t>
+            </a:r>
+            <a:r>
+              <a:rPr lang="en-US" altLang="zh-CN" sz="2200" dirty="0"/>
+              <a:t> { R_REQ, W_REQ, P_REQ };</a:t>
+            </a:r>
+          </a:p>
+          <a:p>
+            <a:pPr lvl="1"/>
+            <a:r>
+              <a:rPr lang="zh-CN" altLang="en-US" sz="1900" dirty="0"/>
+              <a:t>三种</a:t>
+            </a:r>
+            <a:r>
+              <a:rPr lang="en-US" altLang="zh-CN" sz="1900" dirty="0"/>
+              <a:t>request</a:t>
+            </a:r>
+            <a:r>
+              <a:rPr lang="zh-CN" altLang="en-US" sz="1900" dirty="0"/>
+              <a:t>类型，</a:t>
+            </a:r>
+            <a:r>
+              <a:rPr lang="en-US" altLang="zh-CN" sz="1900" dirty="0"/>
+              <a:t>R_REQ</a:t>
+            </a:r>
+            <a:r>
+              <a:rPr lang="zh-CN" altLang="en-US" sz="1900" dirty="0"/>
+              <a:t>代表读请求，</a:t>
+            </a:r>
+            <a:r>
+              <a:rPr lang="en-US" altLang="zh-CN" sz="1900" dirty="0"/>
+              <a:t>W_REQ</a:t>
+            </a:r>
+            <a:r>
+              <a:rPr lang="zh-CN" altLang="en-US" sz="1900" dirty="0"/>
+              <a:t>代表写请求，</a:t>
+            </a:r>
+            <a:r>
+              <a:rPr lang="en-US" altLang="zh-CN" sz="1900" dirty="0"/>
+              <a:t>P_REQ</a:t>
+            </a:r>
+            <a:r>
+              <a:rPr lang="zh-CN" altLang="en-US" sz="1900" dirty="0"/>
+              <a:t>代表预写请求</a:t>
+            </a:r>
+            <a:endParaRPr lang="en-US" altLang="zh-CN" sz="1900" dirty="0"/>
+          </a:p>
+          <a:p>
+            <a:r>
+              <a:rPr lang="zh-CN" altLang="en-US" dirty="0"/>
+              <a:t>返回值：</a:t>
+            </a:r>
+            <a:endParaRPr lang="en-US" altLang="zh-CN" dirty="0"/>
+          </a:p>
+          <a:p>
+            <a:pPr lvl="1"/>
+            <a:r>
+              <a:rPr lang="en-US" altLang="zh-CN" sz="2000" dirty="0" err="1"/>
+              <a:t>enum</a:t>
+            </a:r>
+            <a:r>
+              <a:rPr lang="en-US" altLang="zh-CN" sz="2000" dirty="0"/>
+              <a:t> RC { RCOK,  ERROR, ABORT, NOT_FOUND, ALREADY_EXIST };</a:t>
+            </a:r>
+          </a:p>
+          <a:p>
+            <a:pPr lvl="1"/>
+            <a:r>
+              <a:rPr lang="zh-CN" altLang="en-US" sz="2000" dirty="0"/>
+              <a:t>代表操作的结果类型，</a:t>
+            </a:r>
+            <a:r>
+              <a:rPr lang="en-US" altLang="zh-CN" sz="2000" dirty="0"/>
+              <a:t>RCOK </a:t>
+            </a:r>
+            <a:r>
+              <a:rPr lang="zh-CN" altLang="en-US" sz="2000" dirty="0"/>
+              <a:t>正确，</a:t>
+            </a:r>
+            <a:r>
+              <a:rPr lang="en-US" altLang="zh-CN" sz="2000" dirty="0"/>
+              <a:t>ERROR </a:t>
+            </a:r>
+            <a:r>
+              <a:rPr lang="zh-CN" altLang="en-US" sz="2000" dirty="0"/>
+              <a:t>错误，</a:t>
+            </a:r>
+            <a:r>
+              <a:rPr lang="en-US" altLang="zh-CN" sz="2000" dirty="0"/>
+              <a:t>NOT_FOUND </a:t>
+            </a:r>
+            <a:r>
+              <a:rPr lang="zh-CN" altLang="en-US" sz="2000" dirty="0"/>
+              <a:t>数据项不存在， </a:t>
+            </a:r>
+            <a:r>
+              <a:rPr lang="en-US" altLang="zh-CN" sz="2000" dirty="0"/>
+              <a:t>ALREADY_EXIST </a:t>
+            </a:r>
+            <a:r>
+              <a:rPr lang="zh-CN" altLang="en-US" sz="2000" dirty="0"/>
+              <a:t>数据项已存在，</a:t>
+            </a:r>
+            <a:r>
+              <a:rPr lang="en-US" altLang="zh-CN" sz="2000" dirty="0"/>
+              <a:t>ABORT </a:t>
+            </a:r>
+            <a:r>
+              <a:rPr lang="zh-CN" altLang="en-US" sz="2000" dirty="0"/>
+              <a:t>事务失败</a:t>
+            </a:r>
+            <a:endParaRPr lang="en-US" altLang="zh-CN" sz="2000" dirty="0"/>
+          </a:p>
+          <a:p>
+            <a:r>
+              <a:rPr lang="zh-CN" altLang="en-US" dirty="0"/>
+              <a:t>并发策略：</a:t>
+            </a:r>
+            <a:endParaRPr lang="en-US" altLang="zh-CN" dirty="0"/>
+          </a:p>
+          <a:p>
+            <a:pPr lvl="1"/>
+            <a:r>
+              <a:rPr lang="en-US" altLang="zh-CN" sz="2100" dirty="0" err="1"/>
+              <a:t>enum</a:t>
+            </a:r>
+            <a:r>
+              <a:rPr lang="en-US" altLang="zh-CN" sz="2100" dirty="0"/>
+              <a:t> </a:t>
+            </a:r>
+            <a:r>
+              <a:rPr lang="en-US" altLang="zh-CN" sz="2100" dirty="0" err="1"/>
+              <a:t>cc_type</a:t>
+            </a:r>
+            <a:r>
+              <a:rPr lang="en-US" altLang="zh-CN" sz="2100" dirty="0"/>
+              <a:t> {CC_LOCK, CC_OCC, CC_TO};</a:t>
+            </a:r>
+          </a:p>
+          <a:p>
+            <a:pPr lvl="1"/>
+            <a:r>
+              <a:rPr lang="zh-CN" altLang="en-US" sz="2100" dirty="0"/>
+              <a:t>代表三种并发策略，</a:t>
+            </a:r>
+            <a:r>
+              <a:rPr lang="en-US" altLang="zh-CN" sz="2100" dirty="0"/>
+              <a:t>LOCK </a:t>
+            </a:r>
+            <a:r>
+              <a:rPr lang="zh-CN" altLang="en-US" sz="2100" dirty="0"/>
+              <a:t>基于锁，</a:t>
+            </a:r>
+            <a:r>
+              <a:rPr lang="en-US" altLang="zh-CN" sz="2100" dirty="0"/>
+              <a:t>OCC </a:t>
+            </a:r>
+            <a:r>
+              <a:rPr lang="zh-CN" altLang="en-US" sz="2100" dirty="0"/>
+              <a:t>乐观并发控制，</a:t>
+            </a:r>
+            <a:r>
+              <a:rPr lang="en-US" altLang="zh-CN" sz="2100" dirty="0"/>
+              <a:t>TO</a:t>
+            </a:r>
+            <a:r>
+              <a:rPr lang="zh-CN" altLang="en-US" sz="2100" dirty="0"/>
+              <a:t>基于时间戳</a:t>
+            </a:r>
+            <a:endParaRPr lang="en-US" altLang="zh-CN" sz="2100" dirty="0"/>
+          </a:p>
+          <a:p>
+            <a:pPr lvl="1"/>
+            <a:r>
+              <a:rPr lang="zh-CN" altLang="en-US" sz="2100" dirty="0"/>
+              <a:t>通过配置</a:t>
+            </a:r>
+            <a:r>
+              <a:rPr lang="en-US" altLang="zh-CN" sz="2100" dirty="0"/>
+              <a:t>Engine</a:t>
+            </a:r>
+            <a:r>
+              <a:rPr lang="zh-CN" altLang="en-US" sz="2100" dirty="0"/>
+              <a:t>的</a:t>
+            </a:r>
+            <a:r>
+              <a:rPr lang="en-US" altLang="zh-CN" sz="2100" dirty="0" err="1"/>
+              <a:t>cc_type</a:t>
+            </a:r>
+            <a:r>
+              <a:rPr lang="zh-CN" altLang="en-US" sz="2100" dirty="0"/>
+              <a:t>，指定所需的并发策略</a:t>
+            </a:r>
+          </a:p>
+        </p:txBody>
+      </p:sp>
+    </p:spTree>
+    <p:extLst>
+      <p:ext uri="{BB962C8B-B14F-4D97-AF65-F5344CB8AC3E}">
+        <p14:creationId xmlns:p14="http://schemas.microsoft.com/office/powerpoint/2010/main" val="710300002"/>
+      </p:ext>
+    </p:extLst>
+  </p:cSld>
+  <p:clrMapOvr>
+    <a:masterClrMapping/>
+  </p:clrMapOvr>
+  <p:timing>
+    <p:tnLst>
+      <p:par>
+        <p:cTn id="1" dur="indefinite" restart="never" nodeType="tmRoot"/>
+      </p:par>
+    </p:tnLst>
+  </p:timing>
+</p:sld>
+</file>
+
+<file path=ppt/slides/slide12.xml><?xml version="1.0" encoding="utf-8"?>
+<p:sld xmlns:a="http://schemas.openxmlformats.org/drawingml/2006/main" xmlns:r="http://schemas.openxmlformats.org/officeDocument/2006/relationships" xmlns:p="http://schemas.openxmlformats.org/presentationml/2006/main">
+  <p:cSld>
+    <p:spTree>
+      <p:nvGrpSpPr>
+        <p:cNvPr id="1" name=""/>
+        <p:cNvGrpSpPr/>
+        <p:nvPr/>
+      </p:nvGrpSpPr>
+      <p:grpSpPr>
+        <a:xfrm>
+          <a:off x="0" y="0"/>
+          <a:ext cx="0" cy="0"/>
+          <a:chOff x="0" y="0"/>
+          <a:chExt cx="0" cy="0"/>
+        </a:xfrm>
+      </p:grpSpPr>
+      <p:sp>
+        <p:nvSpPr>
+          <p:cNvPr id="2" name="标题 1"/>
+          <p:cNvSpPr>
+            <a:spLocks noGrp="1"/>
+          </p:cNvSpPr>
+          <p:nvPr>
+            <p:ph type="title"/>
+          </p:nvPr>
+        </p:nvSpPr>
+        <p:spPr/>
+        <p:txBody>
+          <a:bodyPr/>
+          <a:lstStyle/>
+          <a:p>
+            <a:r>
+              <a:rPr lang="zh-CN" altLang="en-US" dirty="0"/>
+              <a:t>数据结构</a:t>
+            </a:r>
+          </a:p>
+        </p:txBody>
+      </p:sp>
+      <p:sp>
+        <p:nvSpPr>
+          <p:cNvPr id="3" name="日期占位符 2"/>
+          <p:cNvSpPr>
+            <a:spLocks noGrp="1"/>
+          </p:cNvSpPr>
+          <p:nvPr>
+            <p:ph type="dt" sz="half" idx="10"/>
+          </p:nvPr>
+        </p:nvSpPr>
+        <p:spPr/>
+        <p:txBody>
+          <a:bodyPr/>
+          <a:lstStyle/>
+          <a:p>
+            <a:pPr eaLnBrk="1" latinLnBrk="0" hangingPunct="1"/>
+            <a:fld id="{5B07C305-A121-4768-B6E8-C8CCF036FD24}" type="datetime1">
+              <a:rPr lang="en-US" altLang="zh-CN" smtClean="0"/>
+              <a:t>5/22/2019</a:t>
+            </a:fld>
+            <a:endParaRPr lang="en-US" dirty="0"/>
+          </a:p>
+        </p:txBody>
+      </p:sp>
+      <p:sp>
+        <p:nvSpPr>
+          <p:cNvPr id="4" name="灯片编号占位符 3"/>
+          <p:cNvSpPr>
+            <a:spLocks noGrp="1"/>
+          </p:cNvSpPr>
+          <p:nvPr>
+            <p:ph type="sldNum" sz="quarter" idx="12"/>
+          </p:nvPr>
+        </p:nvSpPr>
+        <p:spPr/>
+        <p:txBody>
+          <a:bodyPr>
+            <a:normAutofit fontScale="85000" lnSpcReduction="20000"/>
+          </a:bodyPr>
+          <a:lstStyle/>
+          <a:p>
+            <a:pPr eaLnBrk="1" latinLnBrk="0" hangingPunct="1"/>
+            <a:fld id="{F0C94032-CD4C-4C25-B0C2-CEC720522D92}" type="slidenum">
+              <a:rPr kumimoji="0" lang="en-US" smtClean="0"/>
+              <a:pPr eaLnBrk="1" latinLnBrk="0" hangingPunct="1"/>
+              <a:t>12</a:t>
             </a:fld>
             <a:endParaRPr kumimoji="0" lang="en-US" dirty="0">
               <a:solidFill>
@@ -9078,10 +9326,17 @@
   <p:clrMapOvr>
     <a:masterClrMapping/>
   </p:clrMapOvr>
+  <p:timing>
+    <p:tnLst>
+      <p:par>
+        <p:cTn id="1" dur="indefinite" restart="never" nodeType="tmRoot"/>
+      </p:par>
+    </p:tnLst>
+  </p:timing>
 </p:sld>
 </file>
 
-<file path=ppt/slides/slide12.xml><?xml version="1.0" encoding="utf-8"?>
+<file path=ppt/slides/slide13.xml><?xml version="1.0" encoding="utf-8"?>
 <p:sld xmlns:a="http://schemas.openxmlformats.org/drawingml/2006/main" xmlns:r="http://schemas.openxmlformats.org/officeDocument/2006/relationships" xmlns:p="http://schemas.openxmlformats.org/presentationml/2006/main">
   <p:cSld>
     <p:spTree>
@@ -9165,7 +9420,7 @@
             <a:fld id="{F0C94032-CD4C-4C25-B0C2-CEC720522D92}" type="slidenum">
               <a:rPr kumimoji="0" lang="en-US" smtClean="0"/>
               <a:pPr eaLnBrk="1" latinLnBrk="0" hangingPunct="1"/>
-              <a:t>12</a:t>
+              <a:t>13</a:t>
             </a:fld>
             <a:endParaRPr kumimoji="0" lang="en-US" dirty="0">
               <a:solidFill>
@@ -9200,11 +9455,7 @@
             </a:r>
             <a:r>
               <a:rPr lang="en-US" altLang="zh-CN" dirty="0" err="1" smtClean="0"/>
-              <a:t>data_to</a:t>
-            </a:r>
-            <a:r>
-              <a:rPr lang="en-US" altLang="zh-CN" dirty="0" err="1" smtClean="0"/>
-              <a:t>.h</a:t>
+              <a:t>data_to.h</a:t>
             </a:r>
             <a:r>
               <a:rPr lang="en-US" altLang="zh-CN" dirty="0" smtClean="0"/>
@@ -9296,11 +9547,7 @@
             <a:pPr lvl="1"/>
             <a:r>
               <a:rPr lang="en-US" altLang="zh-CN" dirty="0" err="1" smtClean="0"/>
-              <a:t>m</a:t>
-            </a:r>
-            <a:r>
-              <a:rPr lang="en-US" altLang="zh-CN" dirty="0" err="1" smtClean="0"/>
-              <a:t>in_pts</a:t>
+              <a:t>min_pts</a:t>
             </a:r>
             <a:r>
               <a:rPr lang="zh-CN" altLang="en-US" dirty="0" smtClean="0"/>
@@ -9374,287 +9621,13 @@
   <p:clrMapOvr>
     <a:masterClrMapping/>
   </p:clrMapOvr>
-</p:sld>
-</file>
-
-<file path=ppt/slides/slide13.xml><?xml version="1.0" encoding="utf-8"?>
-<p:sld xmlns:a="http://schemas.openxmlformats.org/drawingml/2006/main" xmlns:r="http://schemas.openxmlformats.org/officeDocument/2006/relationships" xmlns:p="http://schemas.openxmlformats.org/presentationml/2006/main">
-  <p:cSld>
-    <p:spTree>
-      <p:nvGrpSpPr>
-        <p:cNvPr id="1" name=""/>
-        <p:cNvGrpSpPr/>
-        <p:nvPr/>
-      </p:nvGrpSpPr>
-      <p:grpSpPr>
-        <a:xfrm>
-          <a:off x="0" y="0"/>
-          <a:ext cx="0" cy="0"/>
-          <a:chOff x="0" y="0"/>
-          <a:chExt cx="0" cy="0"/>
-        </a:xfrm>
-      </p:grpSpPr>
-      <p:sp>
-        <p:nvSpPr>
-          <p:cNvPr id="2" name="标题 1"/>
-          <p:cNvSpPr>
-            <a:spLocks noGrp="1"/>
-          </p:cNvSpPr>
-          <p:nvPr>
-            <p:ph type="title"/>
-          </p:nvPr>
-        </p:nvSpPr>
-        <p:spPr/>
-        <p:txBody>
-          <a:bodyPr/>
-          <a:lstStyle/>
-          <a:p>
-            <a:r>
-              <a:rPr lang="zh-CN" altLang="en-US" dirty="0" smtClean="0"/>
-              <a:t>算法实现</a:t>
-            </a:r>
-            <a:endParaRPr lang="zh-CN" altLang="en-US" dirty="0"/>
-          </a:p>
-        </p:txBody>
-      </p:sp>
-      <p:sp>
-        <p:nvSpPr>
-          <p:cNvPr id="3" name="日期占位符 2"/>
-          <p:cNvSpPr>
-            <a:spLocks noGrp="1"/>
-          </p:cNvSpPr>
-          <p:nvPr>
-            <p:ph type="dt" sz="half" idx="10"/>
-          </p:nvPr>
-        </p:nvSpPr>
-        <p:spPr/>
-        <p:txBody>
-          <a:bodyPr/>
-          <a:lstStyle/>
-          <a:p>
-            <a:pPr eaLnBrk="1" latinLnBrk="0" hangingPunct="1"/>
-            <a:fld id="{5B07C305-A121-4768-B6E8-C8CCF036FD24}" type="datetime1">
-              <a:rPr lang="en-US" altLang="zh-CN" smtClean="0"/>
-              <a:t>5/22/2019</a:t>
-            </a:fld>
-            <a:endParaRPr lang="en-US" dirty="0"/>
-          </a:p>
-        </p:txBody>
-      </p:sp>
-      <p:sp>
-        <p:nvSpPr>
-          <p:cNvPr id="4" name="灯片编号占位符 3"/>
-          <p:cNvSpPr>
-            <a:spLocks noGrp="1"/>
-          </p:cNvSpPr>
-          <p:nvPr>
-            <p:ph type="sldNum" sz="quarter" idx="12"/>
-          </p:nvPr>
-        </p:nvSpPr>
-        <p:spPr/>
-        <p:txBody>
-          <a:bodyPr>
-            <a:normAutofit fontScale="85000" lnSpcReduction="20000"/>
-          </a:bodyPr>
-          <a:lstStyle/>
-          <a:p>
-            <a:pPr eaLnBrk="1" latinLnBrk="0" hangingPunct="1"/>
-            <a:fld id="{F0C94032-CD4C-4C25-B0C2-CEC720522D92}" type="slidenum">
-              <a:rPr kumimoji="0" lang="en-US" smtClean="0"/>
-              <a:pPr eaLnBrk="1" latinLnBrk="0" hangingPunct="1"/>
-              <a:t>13</a:t>
-            </a:fld>
-            <a:endParaRPr kumimoji="0" lang="en-US" dirty="0">
-              <a:solidFill>
-                <a:srgbClr val="FFFFFF"/>
-              </a:solidFill>
-            </a:endParaRPr>
-          </a:p>
-        </p:txBody>
-      </p:sp>
-      <p:sp>
-        <p:nvSpPr>
-          <p:cNvPr id="5" name="内容占位符 4"/>
-          <p:cNvSpPr>
-            <a:spLocks noGrp="1"/>
-          </p:cNvSpPr>
-          <p:nvPr>
-            <p:ph sz="quarter" idx="1"/>
-          </p:nvPr>
-        </p:nvSpPr>
-        <p:spPr/>
-        <p:txBody>
-          <a:bodyPr/>
-          <a:lstStyle/>
-          <a:p>
-            <a:r>
-              <a:rPr lang="en-US" altLang="zh-CN" dirty="0" err="1" smtClean="0"/>
-              <a:t>data_to</a:t>
-            </a:r>
-            <a:r>
-              <a:rPr lang="en-US" altLang="zh-CN" dirty="0" smtClean="0"/>
-              <a:t> </a:t>
-            </a:r>
-            <a:r>
-              <a:rPr lang="en-US" altLang="zh-CN" dirty="0" smtClean="0"/>
-              <a:t>(</a:t>
-            </a:r>
-            <a:r>
-              <a:rPr lang="en-US" altLang="zh-CN" dirty="0" err="1" smtClean="0"/>
-              <a:t>data_to.h</a:t>
-            </a:r>
-            <a:r>
-              <a:rPr lang="en-US" altLang="zh-CN" dirty="0" smtClean="0"/>
-              <a:t>) </a:t>
-            </a:r>
-            <a:r>
-              <a:rPr lang="en-US" altLang="zh-CN" sz="2800" dirty="0" smtClean="0"/>
-              <a:t>//</a:t>
-            </a:r>
-            <a:r>
-              <a:rPr lang="zh-CN" altLang="en-US" sz="2800" dirty="0" smtClean="0"/>
-              <a:t>代码中有具体的伪代码描述</a:t>
-            </a:r>
-            <a:endParaRPr lang="en-US" altLang="zh-CN" sz="2800" dirty="0" smtClean="0"/>
-          </a:p>
-          <a:p>
-            <a:pPr marL="0" indent="0">
-              <a:buNone/>
-            </a:pPr>
-            <a:endParaRPr lang="en-US" altLang="zh-CN" sz="2800" dirty="0" smtClean="0"/>
-          </a:p>
-          <a:p>
-            <a:pPr lvl="1"/>
-            <a:r>
-              <a:rPr lang="en-US" altLang="zh-CN" dirty="0" smtClean="0"/>
-              <a:t>access(): </a:t>
-            </a:r>
-            <a:r>
-              <a:rPr lang="zh-CN" altLang="en-US" dirty="0" smtClean="0"/>
-              <a:t>处理收到的读写请求</a:t>
-            </a:r>
-            <a:endParaRPr lang="en-US" altLang="zh-CN" dirty="0" smtClean="0"/>
-          </a:p>
-          <a:p>
-            <a:pPr lvl="1"/>
-            <a:r>
-              <a:rPr lang="en-US" altLang="zh-CN" dirty="0" err="1" smtClean="0"/>
-              <a:t>buffer_req</a:t>
-            </a:r>
-            <a:r>
-              <a:rPr lang="en-US" altLang="zh-CN" dirty="0" smtClean="0"/>
-              <a:t>()</a:t>
-            </a:r>
-            <a:r>
-              <a:rPr lang="en-US" altLang="zh-CN" dirty="0" smtClean="0"/>
-              <a:t>: </a:t>
-            </a:r>
-            <a:r>
-              <a:rPr lang="zh-CN" altLang="en-US" dirty="0" smtClean="0"/>
-              <a:t>将合法但不能立即执行的</a:t>
-            </a:r>
-            <a:r>
-              <a:rPr lang="en-US" altLang="zh-CN" dirty="0" err="1" smtClean="0"/>
-              <a:t>req</a:t>
-            </a:r>
-            <a:r>
-              <a:rPr lang="zh-CN" altLang="en-US" dirty="0" smtClean="0"/>
-              <a:t>加入对应队列</a:t>
-            </a:r>
-            <a:endParaRPr lang="en-US" altLang="zh-CN" dirty="0" smtClean="0"/>
-          </a:p>
-          <a:p>
-            <a:pPr lvl="1"/>
-            <a:r>
-              <a:rPr lang="en-US" altLang="zh-CN" dirty="0" err="1" smtClean="0"/>
-              <a:t>debuffer_req</a:t>
-            </a:r>
-            <a:r>
-              <a:rPr lang="en-US" altLang="zh-CN" dirty="0" smtClean="0"/>
-              <a:t>()</a:t>
-            </a:r>
-            <a:r>
-              <a:rPr lang="en-US" altLang="zh-CN" dirty="0" smtClean="0"/>
-              <a:t>: </a:t>
-            </a:r>
-            <a:r>
-              <a:rPr lang="zh-CN" altLang="en-US" dirty="0" smtClean="0"/>
-              <a:t>将</a:t>
-            </a:r>
-            <a:r>
-              <a:rPr lang="en-US" altLang="zh-CN" dirty="0" err="1" smtClean="0"/>
-              <a:t>req</a:t>
-            </a:r>
-            <a:r>
-              <a:rPr lang="zh-CN" altLang="en-US" dirty="0" smtClean="0"/>
-              <a:t>移出队列</a:t>
-            </a:r>
-            <a:endParaRPr lang="en-US" altLang="zh-CN" dirty="0" smtClean="0"/>
-          </a:p>
-          <a:p>
-            <a:pPr lvl="1"/>
-            <a:r>
-              <a:rPr lang="en-US" altLang="zh-CN" dirty="0" err="1" smtClean="0"/>
-              <a:t>update_buffer</a:t>
-            </a:r>
-            <a:r>
-              <a:rPr lang="en-US" altLang="zh-CN" dirty="0" smtClean="0"/>
-              <a:t>()</a:t>
-            </a:r>
-            <a:r>
-              <a:rPr lang="en-US" altLang="zh-CN" dirty="0" smtClean="0"/>
-              <a:t>: </a:t>
-            </a:r>
-            <a:r>
-              <a:rPr lang="zh-CN" altLang="en-US" dirty="0" smtClean="0"/>
-              <a:t>每执行一次写请求，重新计算</a:t>
-            </a:r>
-            <a:r>
-              <a:rPr lang="en-US" altLang="zh-CN" dirty="0" err="1" smtClean="0"/>
-              <a:t>min_rts</a:t>
-            </a:r>
-            <a:r>
-              <a:rPr lang="zh-CN" altLang="en-US" dirty="0" smtClean="0"/>
-              <a:t>和</a:t>
-            </a:r>
-            <a:r>
-              <a:rPr lang="en-US" altLang="zh-CN" dirty="0" err="1" smtClean="0"/>
-              <a:t>min_pts</a:t>
-            </a:r>
-            <a:r>
-              <a:rPr lang="zh-CN" altLang="en-US" dirty="0" smtClean="0"/>
-              <a:t>，并将相应的请求执行</a:t>
-            </a:r>
-            <a:endParaRPr lang="en-US" altLang="zh-CN" dirty="0" smtClean="0"/>
-          </a:p>
-          <a:p>
-            <a:pPr lvl="1"/>
-            <a:r>
-              <a:rPr lang="en-US" altLang="zh-CN" dirty="0" err="1"/>
-              <a:t>cal_min</a:t>
-            </a:r>
-            <a:r>
-              <a:rPr lang="en-US" altLang="zh-CN" dirty="0" smtClean="0"/>
-              <a:t>(): </a:t>
-            </a:r>
-            <a:r>
-              <a:rPr lang="zh-CN" altLang="en-US" dirty="0" smtClean="0"/>
-              <a:t>计算队列内最小时间戳</a:t>
-            </a:r>
-            <a:endParaRPr lang="en-US" altLang="zh-CN" dirty="0"/>
-          </a:p>
-        </p:txBody>
-      </p:sp>
-    </p:spTree>
-    <p:extLst>
-      <p:ext uri="{BB962C8B-B14F-4D97-AF65-F5344CB8AC3E}">
-        <p14:creationId xmlns:p14="http://schemas.microsoft.com/office/powerpoint/2010/main" val="179061591"/>
-      </p:ext>
-    </p:extLst>
-  </p:cSld>
-  <p:clrMapOvr>
-    <a:masterClrMapping/>
-  </p:clrMapOvr>
+  <p:timing>
+    <p:tnLst>
+      <p:par>
+        <p:cTn id="1" dur="indefinite" restart="never" nodeType="tmRoot"/>
+      </p:par>
+    </p:tnLst>
+  </p:timing>
 </p:sld>
 </file>
 
@@ -9769,169 +9742,142 @@
           <a:lstStyle/>
           <a:p>
             <a:r>
-              <a:rPr lang="zh-CN" altLang="en-US" dirty="0"/>
-              <a:t>读操作：</a:t>
-            </a:r>
-            <a:endParaRPr lang="en-US" altLang="zh-CN" dirty="0"/>
-          </a:p>
-          <a:p>
-            <a:pPr lvl="1"/>
-            <a:r>
-              <a:rPr lang="zh-CN" altLang="en-US" dirty="0" smtClean="0"/>
-              <a:t>由</a:t>
-            </a:r>
-            <a:r>
-              <a:rPr lang="en-US" altLang="zh-CN" dirty="0" err="1" smtClean="0"/>
-              <a:t>cc_lock</a:t>
-            </a:r>
-            <a:r>
-              <a:rPr lang="zh-CN" altLang="en-US" dirty="0" smtClean="0"/>
-              <a:t>中</a:t>
-            </a:r>
-            <a:r>
-              <a:rPr lang="en-US" altLang="zh-CN" dirty="0" smtClean="0"/>
-              <a:t>get</a:t>
-            </a:r>
-            <a:r>
-              <a:rPr lang="en-US" altLang="zh-CN" dirty="0" smtClean="0"/>
-              <a:t>()</a:t>
-            </a:r>
-            <a:r>
-              <a:rPr lang="zh-CN" altLang="en-US" dirty="0" smtClean="0"/>
-              <a:t>实现，</a:t>
-            </a:r>
-            <a:r>
-              <a:rPr lang="zh-CN" altLang="en-US" dirty="0" smtClean="0"/>
-              <a:t>调用</a:t>
-            </a:r>
-            <a:r>
               <a:rPr lang="en-US" altLang="zh-CN" dirty="0" err="1" smtClean="0"/>
               <a:t>data_to</a:t>
             </a:r>
             <a:r>
+              <a:rPr lang="en-US" altLang="zh-CN" dirty="0" smtClean="0"/>
+              <a:t> (</a:t>
+            </a:r>
+            <a:r>
+              <a:rPr lang="en-US" altLang="zh-CN" dirty="0" err="1" smtClean="0"/>
+              <a:t>data_to.h</a:t>
+            </a:r>
+            <a:r>
+              <a:rPr lang="en-US" altLang="zh-CN" dirty="0" smtClean="0"/>
+              <a:t>) </a:t>
+            </a:r>
+            <a:r>
+              <a:rPr lang="en-US" altLang="zh-CN" sz="2800" dirty="0" smtClean="0"/>
+              <a:t>//</a:t>
+            </a:r>
+            <a:r>
+              <a:rPr lang="zh-CN" altLang="en-US" sz="2800" dirty="0" smtClean="0"/>
+              <a:t>代码中有具体的伪代码描述</a:t>
+            </a:r>
+            <a:endParaRPr lang="en-US" altLang="zh-CN" sz="2800" dirty="0" smtClean="0"/>
+          </a:p>
+          <a:p>
+            <a:pPr marL="0" indent="0">
+              <a:buNone/>
+            </a:pPr>
+            <a:endParaRPr lang="en-US" altLang="zh-CN" sz="2800" dirty="0" smtClean="0"/>
+          </a:p>
+          <a:p>
+            <a:pPr lvl="1"/>
+            <a:r>
+              <a:rPr lang="en-US" altLang="zh-CN" dirty="0" smtClean="0"/>
+              <a:t>access(): </a:t>
+            </a:r>
+            <a:r>
               <a:rPr lang="zh-CN" altLang="en-US" dirty="0" smtClean="0"/>
-              <a:t>中</a:t>
+              <a:t>处理收到的读写请求</a:t>
+            </a:r>
+            <a:endParaRPr lang="en-US" altLang="zh-CN" dirty="0" smtClean="0"/>
+          </a:p>
+          <a:p>
+            <a:pPr lvl="1"/>
+            <a:r>
+              <a:rPr lang="en-US" altLang="zh-CN" dirty="0" err="1" smtClean="0"/>
+              <a:t>buffer_req</a:t>
             </a:r>
             <a:r>
               <a:rPr lang="en-US" altLang="zh-CN" dirty="0" smtClean="0"/>
-              <a:t>access</a:t>
-            </a:r>
-            <a:r>
-              <a:rPr lang="en-US" altLang="zh-CN" dirty="0"/>
-              <a:t>()</a:t>
-            </a:r>
-            <a:r>
-              <a:rPr lang="zh-CN" altLang="en-US" dirty="0"/>
-              <a:t>，请求类型</a:t>
+              <a:t>(): </a:t>
             </a:r>
             <a:r>
               <a:rPr lang="zh-CN" altLang="en-US" dirty="0" smtClean="0"/>
-              <a:t>为</a:t>
-            </a:r>
-            <a:r>
-              <a:rPr lang="en-US" altLang="zh-CN" dirty="0"/>
-              <a:t>R_REQ</a:t>
-            </a:r>
-            <a:endParaRPr lang="en-US" altLang="zh-CN" dirty="0"/>
-          </a:p>
-          <a:p>
-            <a:endParaRPr lang="en-US" altLang="zh-CN" dirty="0"/>
-          </a:p>
-          <a:p>
-            <a:r>
-              <a:rPr lang="zh-CN" altLang="en-US" dirty="0"/>
-              <a:t>写操作：</a:t>
-            </a:r>
-            <a:endParaRPr lang="en-US" altLang="zh-CN" dirty="0"/>
+              <a:t>将合法但不能立即执行的</a:t>
+            </a:r>
+            <a:r>
+              <a:rPr lang="en-US" altLang="zh-CN" dirty="0" err="1" smtClean="0"/>
+              <a:t>req</a:t>
+            </a:r>
+            <a:r>
+              <a:rPr lang="zh-CN" altLang="en-US" dirty="0" smtClean="0"/>
+              <a:t>加入对应队列</a:t>
+            </a:r>
+            <a:endParaRPr lang="en-US" altLang="zh-CN" dirty="0" smtClean="0"/>
           </a:p>
           <a:p>
             <a:pPr lvl="1"/>
             <a:r>
-              <a:rPr lang="zh-CN" altLang="en-US" dirty="0"/>
-              <a:t>由</a:t>
-            </a:r>
+              <a:rPr lang="en-US" altLang="zh-CN" dirty="0" err="1" smtClean="0"/>
+              <a:t>debuffer_req</a:t>
+            </a:r>
+            <a:r>
+              <a:rPr lang="en-US" altLang="zh-CN" dirty="0" smtClean="0"/>
+              <a:t>(): </a:t>
+            </a:r>
+            <a:r>
+              <a:rPr lang="zh-CN" altLang="en-US" dirty="0" smtClean="0"/>
+              <a:t>将</a:t>
+            </a:r>
+            <a:r>
+              <a:rPr lang="en-US" altLang="zh-CN" dirty="0" err="1" smtClean="0"/>
+              <a:t>req</a:t>
+            </a:r>
+            <a:r>
+              <a:rPr lang="zh-CN" altLang="en-US" dirty="0" smtClean="0"/>
+              <a:t>移出队列</a:t>
+            </a:r>
+            <a:endParaRPr lang="en-US" altLang="zh-CN" dirty="0" smtClean="0"/>
+          </a:p>
+          <a:p>
+            <a:pPr lvl="1"/>
+            <a:r>
+              <a:rPr lang="en-US" altLang="zh-CN" dirty="0" err="1" smtClean="0"/>
+              <a:t>update_buffer</a:t>
+            </a:r>
+            <a:r>
+              <a:rPr lang="en-US" altLang="zh-CN" dirty="0" smtClean="0"/>
+              <a:t>(): </a:t>
+            </a:r>
+            <a:r>
+              <a:rPr lang="zh-CN" altLang="en-US" dirty="0" smtClean="0"/>
+              <a:t>每执行一次写请求，重新计算</a:t>
+            </a:r>
+            <a:r>
+              <a:rPr lang="en-US" altLang="zh-CN" dirty="0" err="1" smtClean="0"/>
+              <a:t>min_rts</a:t>
+            </a:r>
+            <a:r>
+              <a:rPr lang="zh-CN" altLang="en-US" dirty="0" smtClean="0"/>
+              <a:t>和</a:t>
+            </a:r>
+            <a:r>
+              <a:rPr lang="en-US" altLang="zh-CN" dirty="0" err="1" smtClean="0"/>
+              <a:t>min_pts</a:t>
+            </a:r>
+            <a:r>
+              <a:rPr lang="zh-CN" altLang="en-US" dirty="0" smtClean="0"/>
+              <a:t>，并将相应的请求执行</a:t>
+            </a:r>
+            <a:endParaRPr lang="en-US" altLang="zh-CN" dirty="0" smtClean="0"/>
+          </a:p>
+          <a:p>
+            <a:pPr lvl="1"/>
             <a:r>
               <a:rPr lang="en-US" altLang="zh-CN" dirty="0" err="1"/>
-              <a:t>cc_lock</a:t>
+              <a:t>cal_min</a:t>
+            </a:r>
+            <a:r>
+              <a:rPr lang="en-US" altLang="zh-CN" dirty="0" smtClean="0"/>
+              <a:t>(): </a:t>
             </a:r>
             <a:r>
               <a:rPr lang="zh-CN" altLang="en-US" dirty="0" smtClean="0"/>
-              <a:t>中</a:t>
-            </a:r>
-            <a:r>
-              <a:rPr lang="en-US" altLang="zh-CN" dirty="0" smtClean="0"/>
-              <a:t>update()</a:t>
-            </a:r>
-            <a:r>
-              <a:rPr lang="zh-CN" altLang="en-US" dirty="0" smtClean="0"/>
-              <a:t>实现</a:t>
-            </a:r>
-            <a:r>
-              <a:rPr lang="zh-CN" altLang="en-US" dirty="0"/>
-              <a:t>，</a:t>
-            </a:r>
-            <a:r>
-              <a:rPr lang="zh-CN" altLang="en-US" dirty="0" smtClean="0"/>
-              <a:t>先</a:t>
-            </a:r>
-            <a:r>
-              <a:rPr lang="zh-CN" altLang="en-US" dirty="0"/>
-              <a:t>调用</a:t>
-            </a:r>
-            <a:r>
-              <a:rPr lang="en-US" altLang="zh-CN" dirty="0"/>
-              <a:t>access()</a:t>
-            </a:r>
-            <a:r>
-              <a:rPr lang="zh-CN" altLang="en-US" dirty="0"/>
-              <a:t>，请求类型</a:t>
-            </a:r>
-            <a:r>
-              <a:rPr lang="zh-CN" altLang="en-US" dirty="0" smtClean="0"/>
-              <a:t>为</a:t>
-            </a:r>
-            <a:r>
-              <a:rPr lang="en-US" altLang="zh-CN" dirty="0" smtClean="0"/>
-              <a:t>P_REQ</a:t>
-            </a:r>
-          </a:p>
-          <a:p>
-            <a:pPr lvl="1"/>
-            <a:r>
-              <a:rPr lang="zh-CN" altLang="en-US" dirty="0" smtClean="0"/>
-              <a:t>若</a:t>
-            </a:r>
-            <a:r>
-              <a:rPr lang="en-US" altLang="zh-CN" dirty="0" smtClean="0"/>
-              <a:t>P_REQ</a:t>
-            </a:r>
-            <a:r>
-              <a:rPr lang="zh-CN" altLang="en-US" dirty="0" smtClean="0"/>
-              <a:t>插入成功，</a:t>
-            </a:r>
-            <a:r>
-              <a:rPr lang="zh-CN" altLang="en-US" dirty="0" smtClean="0"/>
-              <a:t>再</a:t>
-            </a:r>
-            <a:r>
-              <a:rPr lang="zh-CN" altLang="en-US" dirty="0"/>
-              <a:t>调用</a:t>
-            </a:r>
-            <a:r>
-              <a:rPr lang="en-US" altLang="zh-CN" dirty="0"/>
-              <a:t>access()</a:t>
-            </a:r>
-            <a:r>
-              <a:rPr lang="zh-CN" altLang="en-US" dirty="0"/>
-              <a:t>，请求类型</a:t>
-            </a:r>
-            <a:r>
-              <a:rPr lang="zh-CN" altLang="en-US" dirty="0" smtClean="0"/>
-              <a:t>为</a:t>
-            </a:r>
-            <a:r>
-              <a:rPr lang="en-US" altLang="zh-CN" dirty="0" smtClean="0"/>
-              <a:t>W_REQ</a:t>
+              <a:t>计算队列内最小时间戳</a:t>
             </a:r>
             <a:endParaRPr lang="en-US" altLang="zh-CN" dirty="0"/>
           </a:p>
@@ -9940,13 +9886,20 @@
     </p:spTree>
     <p:extLst>
       <p:ext uri="{BB962C8B-B14F-4D97-AF65-F5344CB8AC3E}">
-        <p14:creationId xmlns:p14="http://schemas.microsoft.com/office/powerpoint/2010/main" val="2449921845"/>
+        <p14:creationId xmlns:p14="http://schemas.microsoft.com/office/powerpoint/2010/main" val="179061591"/>
       </p:ext>
     </p:extLst>
   </p:cSld>
   <p:clrMapOvr>
     <a:masterClrMapping/>
   </p:clrMapOvr>
+  <p:timing>
+    <p:tnLst>
+      <p:par>
+        <p:cTn id="1" dur="indefinite" restart="never" nodeType="tmRoot"/>
+      </p:par>
+    </p:tnLst>
+  </p:timing>
 </p:sld>
 </file>
 
@@ -9983,9 +9936,10 @@
           <a:lstStyle/>
           <a:p>
             <a:r>
-              <a:rPr lang="zh-CN" altLang="en-US" dirty="0"/>
-              <a:t>任务列表</a:t>
-            </a:r>
+              <a:rPr lang="zh-CN" altLang="en-US" dirty="0" smtClean="0"/>
+              <a:t>算法实现</a:t>
+            </a:r>
+            <a:endParaRPr lang="zh-CN" altLang="en-US" dirty="0"/>
           </a:p>
         </p:txBody>
       </p:sp>
@@ -10056,113 +10010,168 @@
         </p:nvSpPr>
         <p:spPr/>
         <p:txBody>
-          <a:bodyPr>
-            <a:normAutofit/>
-          </a:bodyPr>
-          <a:lstStyle/>
-          <a:p>
-            <a:r>
-              <a:rPr lang="en-US" altLang="zh-CN" dirty="0"/>
-              <a:t>1. </a:t>
-            </a:r>
+          <a:bodyPr/>
+          <a:lstStyle/>
+          <a:p>
+            <a:r>
+              <a:rPr lang="zh-CN" altLang="en-US" dirty="0"/>
+              <a:t>读操作：</a:t>
+            </a:r>
+            <a:endParaRPr lang="en-US" altLang="zh-CN" dirty="0"/>
+          </a:p>
+          <a:p>
+            <a:pPr lvl="1"/>
             <a:r>
               <a:rPr lang="zh-CN" altLang="en-US" dirty="0" smtClean="0"/>
-              <a:t>完成</a:t>
+              <a:t>由</a:t>
             </a:r>
             <a:r>
               <a:rPr lang="en-US" altLang="zh-CN" dirty="0" err="1" smtClean="0"/>
-              <a:t>data_to.h</a:t>
+              <a:t>cc_lock</a:t>
             </a:r>
             <a:r>
               <a:rPr lang="zh-CN" altLang="en-US" dirty="0" smtClean="0"/>
-              <a:t>中算法的实现，包括两个函数：</a:t>
-            </a:r>
-            <a:endParaRPr lang="en-US" altLang="zh-CN" dirty="0" smtClean="0"/>
-          </a:p>
-          <a:p>
-            <a:pPr lvl="1"/>
+              <a:t>中</a:t>
+            </a:r>
+            <a:r>
+              <a:rPr lang="en-US" altLang="zh-CN" dirty="0" smtClean="0"/>
+              <a:t>get()</a:t>
+            </a:r>
+            <a:r>
+              <a:rPr lang="zh-CN" altLang="en-US" dirty="0" smtClean="0"/>
+              <a:t>实现，调用</a:t>
+            </a:r>
             <a:r>
               <a:rPr lang="en-US" altLang="zh-CN" dirty="0" err="1" smtClean="0"/>
               <a:t>data_to</a:t>
             </a:r>
             <a:r>
+              <a:rPr lang="zh-CN" altLang="en-US" dirty="0" smtClean="0"/>
+              <a:t>中</a:t>
+            </a:r>
+            <a:r>
               <a:rPr lang="en-US" altLang="zh-CN" dirty="0" smtClean="0"/>
-              <a:t>::access</a:t>
+              <a:t>access</a:t>
+            </a:r>
+            <a:r>
+              <a:rPr lang="en-US" altLang="zh-CN" dirty="0"/>
+              <a:t>()</a:t>
+            </a:r>
+            <a:r>
+              <a:rPr lang="zh-CN" altLang="en-US" dirty="0"/>
+              <a:t>，请求类型</a:t>
             </a:r>
             <a:r>
               <a:rPr lang="zh-CN" altLang="en-US" dirty="0" smtClean="0"/>
-              <a:t>：</a:t>
-            </a:r>
-            <a:endParaRPr lang="en-US" altLang="zh-CN" dirty="0" smtClean="0"/>
-          </a:p>
-          <a:p>
-            <a:pPr lvl="2"/>
+              <a:t>为</a:t>
+            </a:r>
+            <a:r>
+              <a:rPr lang="en-US" altLang="zh-CN" dirty="0"/>
+              <a:t>R_REQ</a:t>
+            </a:r>
+          </a:p>
+          <a:p>
+            <a:endParaRPr lang="en-US" altLang="zh-CN" dirty="0"/>
+          </a:p>
+          <a:p>
             <a:r>
               <a:rPr lang="zh-CN" altLang="en-US" dirty="0"/>
-              <a:t>处理读写请求，实现过程参考</a:t>
+              <a:t>写操作：</a:t>
+            </a:r>
+            <a:endParaRPr lang="en-US" altLang="zh-CN" dirty="0"/>
+          </a:p>
+          <a:p>
+            <a:pPr lvl="1"/>
+            <a:r>
+              <a:rPr lang="zh-CN" altLang="en-US" dirty="0"/>
+              <a:t>由</a:t>
+            </a:r>
+            <a:r>
+              <a:rPr lang="en-US" altLang="zh-CN" dirty="0" err="1"/>
+              <a:t>cc_lock</a:t>
             </a:r>
             <a:r>
               <a:rPr lang="zh-CN" altLang="en-US" dirty="0" smtClean="0"/>
-              <a:t>伪代码</a:t>
-            </a:r>
-            <a:endParaRPr lang="en-US" altLang="zh-CN" dirty="0" smtClean="0"/>
+              <a:t>中</a:t>
+            </a:r>
+            <a:r>
+              <a:rPr lang="en-US" altLang="zh-CN" dirty="0" smtClean="0"/>
+              <a:t>update()</a:t>
+            </a:r>
+            <a:r>
+              <a:rPr lang="zh-CN" altLang="en-US" dirty="0" smtClean="0"/>
+              <a:t>实现</a:t>
+            </a:r>
+            <a:r>
+              <a:rPr lang="zh-CN" altLang="en-US" dirty="0"/>
+              <a:t>，</a:t>
+            </a:r>
+            <a:r>
+              <a:rPr lang="zh-CN" altLang="en-US" dirty="0" smtClean="0"/>
+              <a:t>先</a:t>
+            </a:r>
+            <a:r>
+              <a:rPr lang="zh-CN" altLang="en-US" dirty="0"/>
+              <a:t>调用</a:t>
+            </a:r>
+            <a:r>
+              <a:rPr lang="en-US" altLang="zh-CN" dirty="0"/>
+              <a:t>access()</a:t>
+            </a:r>
+            <a:r>
+              <a:rPr lang="zh-CN" altLang="en-US" dirty="0"/>
+              <a:t>，请求类型</a:t>
+            </a:r>
+            <a:r>
+              <a:rPr lang="zh-CN" altLang="en-US" dirty="0" smtClean="0"/>
+              <a:t>为</a:t>
+            </a:r>
+            <a:r>
+              <a:rPr lang="en-US" altLang="zh-CN" dirty="0" smtClean="0"/>
+              <a:t>P_REQ</a:t>
+            </a:r>
           </a:p>
           <a:p>
             <a:pPr lvl="1"/>
             <a:r>
-              <a:rPr lang="en-US" altLang="zh-CN" dirty="0" err="1"/>
-              <a:t>data_to</a:t>
+              <a:rPr lang="zh-CN" altLang="en-US" dirty="0" smtClean="0"/>
+              <a:t>若</a:t>
             </a:r>
             <a:r>
               <a:rPr lang="en-US" altLang="zh-CN" dirty="0" smtClean="0"/>
-              <a:t>::</a:t>
+              <a:t>P_REQ</a:t>
+            </a:r>
+            <a:r>
+              <a:rPr lang="zh-CN" altLang="en-US" dirty="0"/>
+              <a:t>执行</a:t>
+            </a:r>
+            <a:r>
+              <a:rPr lang="zh-CN" altLang="en-US" dirty="0" smtClean="0"/>
+              <a:t>成功</a:t>
+            </a:r>
+            <a:r>
+              <a:rPr lang="zh-CN" altLang="en-US" dirty="0" smtClean="0"/>
+              <a:t>，再</a:t>
+            </a:r>
+            <a:r>
+              <a:rPr lang="zh-CN" altLang="en-US" dirty="0"/>
+              <a:t>调用</a:t>
             </a:r>
             <a:r>
               <a:rPr lang="en-US" altLang="zh-CN" dirty="0"/>
-              <a:t>update</a:t>
+              <a:t>access()</a:t>
+            </a:r>
+            <a:r>
+              <a:rPr lang="zh-CN" altLang="en-US" dirty="0"/>
+              <a:t>，请求类型</a:t>
             </a:r>
             <a:r>
               <a:rPr lang="zh-CN" altLang="en-US" dirty="0" smtClean="0"/>
-              <a:t>：</a:t>
-            </a:r>
-            <a:endParaRPr lang="en-US" altLang="zh-CN" dirty="0" smtClean="0"/>
-          </a:p>
-          <a:p>
-            <a:pPr lvl="2"/>
-            <a:r>
-              <a:rPr lang="zh-CN" altLang="en-US" dirty="0" smtClean="0"/>
-              <a:t>用于每执行一次写操作，更新相应的读和预写列表</a:t>
-            </a:r>
-            <a:endParaRPr lang="en-US" altLang="zh-CN" dirty="0" smtClean="0"/>
-          </a:p>
-          <a:p>
-            <a:pPr lvl="2"/>
-            <a:endParaRPr lang="en-US" altLang="zh-CN" dirty="0" smtClean="0"/>
-          </a:p>
-          <a:p>
+              <a:t>为</a:t>
+            </a:r>
             <a:r>
               <a:rPr lang="en-US" altLang="zh-CN" dirty="0" smtClean="0"/>
-              <a:t>2. </a:t>
-            </a:r>
-            <a:r>
-              <a:rPr lang="zh-CN" altLang="en-US" dirty="0"/>
-              <a:t>运行</a:t>
-            </a:r>
-            <a:r>
-              <a:rPr lang="en-US" altLang="zh-CN" dirty="0"/>
-              <a:t>main</a:t>
-            </a:r>
-            <a:r>
-              <a:rPr lang="zh-CN" altLang="en-US" dirty="0"/>
-              <a:t>函数，其中包含测试程序，模拟若干个事务的并发，最后输出</a:t>
-            </a:r>
-            <a:r>
-              <a:rPr lang="en-US" altLang="zh-CN" dirty="0" err="1"/>
-              <a:t>hash_map</a:t>
-            </a:r>
-            <a:r>
-              <a:rPr lang="zh-CN" altLang="en-US" dirty="0"/>
-              <a:t>中的数据值，判断结果正确性</a:t>
+              <a:t>W_REQ</a:t>
             </a:r>
             <a:endParaRPr lang="en-US" altLang="zh-CN" dirty="0"/>
           </a:p>
@@ -10171,13 +10180,20 @@
     </p:spTree>
     <p:extLst>
       <p:ext uri="{BB962C8B-B14F-4D97-AF65-F5344CB8AC3E}">
-        <p14:creationId xmlns:p14="http://schemas.microsoft.com/office/powerpoint/2010/main" val="1875783775"/>
+        <p14:creationId xmlns:p14="http://schemas.microsoft.com/office/powerpoint/2010/main" val="2449921845"/>
       </p:ext>
     </p:extLst>
   </p:cSld>
   <p:clrMapOvr>
     <a:masterClrMapping/>
   </p:clrMapOvr>
+  <p:timing>
+    <p:tnLst>
+      <p:par>
+        <p:cTn id="1" dur="indefinite" restart="never" nodeType="tmRoot"/>
+      </p:par>
+    </p:tnLst>
+  </p:timing>
 </p:sld>
 </file>
 
@@ -10215,7 +10231,7 @@
           <a:p>
             <a:r>
               <a:rPr lang="zh-CN" altLang="en-US" dirty="0"/>
-              <a:t>思考</a:t>
+              <a:t>任务列表</a:t>
             </a:r>
           </a:p>
         </p:txBody>
@@ -10287,6 +10303,263 @@
         </p:nvSpPr>
         <p:spPr/>
         <p:txBody>
+          <a:bodyPr>
+            <a:normAutofit lnSpcReduction="10000"/>
+          </a:bodyPr>
+          <a:lstStyle/>
+          <a:p>
+            <a:r>
+              <a:rPr lang="en-US" altLang="zh-CN" dirty="0" smtClean="0"/>
+              <a:t>1. </a:t>
+            </a:r>
+            <a:r>
+              <a:rPr lang="zh-CN" altLang="en-US" dirty="0" smtClean="0"/>
+              <a:t>理解</a:t>
+            </a:r>
+            <a:r>
+              <a:rPr lang="en-US" altLang="zh-CN" dirty="0" smtClean="0"/>
+              <a:t>basic to</a:t>
+            </a:r>
+            <a:r>
+              <a:rPr lang="zh-CN" altLang="en-US" dirty="0" smtClean="0"/>
+              <a:t>的算法流程，理清代码结构</a:t>
+            </a:r>
+            <a:endParaRPr lang="en-US" altLang="zh-CN" dirty="0" smtClean="0"/>
+          </a:p>
+          <a:p>
+            <a:r>
+              <a:rPr lang="en-US" altLang="zh-CN" dirty="0" smtClean="0"/>
+              <a:t>2. </a:t>
+            </a:r>
+            <a:r>
+              <a:rPr lang="zh-CN" altLang="en-US" dirty="0" smtClean="0"/>
+              <a:t>完成</a:t>
+            </a:r>
+            <a:r>
+              <a:rPr lang="en-US" altLang="zh-CN" dirty="0" err="1" smtClean="0"/>
+              <a:t>data_to.h</a:t>
+            </a:r>
+            <a:r>
+              <a:rPr lang="zh-CN" altLang="en-US" dirty="0" smtClean="0"/>
+              <a:t>中算法的实现，包括两个函数：</a:t>
+            </a:r>
+            <a:endParaRPr lang="en-US" altLang="zh-CN" dirty="0" smtClean="0"/>
+          </a:p>
+          <a:p>
+            <a:pPr lvl="1"/>
+            <a:r>
+              <a:rPr lang="en-US" altLang="zh-CN" dirty="0" err="1" smtClean="0"/>
+              <a:t>data_to</a:t>
+            </a:r>
+            <a:r>
+              <a:rPr lang="en-US" altLang="zh-CN" dirty="0" smtClean="0"/>
+              <a:t>::access</a:t>
+            </a:r>
+            <a:r>
+              <a:rPr lang="zh-CN" altLang="en-US" dirty="0" smtClean="0"/>
+              <a:t>：</a:t>
+            </a:r>
+            <a:endParaRPr lang="en-US" altLang="zh-CN" dirty="0" smtClean="0"/>
+          </a:p>
+          <a:p>
+            <a:pPr lvl="2"/>
+            <a:r>
+              <a:rPr lang="zh-CN" altLang="en-US" dirty="0"/>
+              <a:t>处理读写请求，实现过程参考</a:t>
+            </a:r>
+            <a:r>
+              <a:rPr lang="zh-CN" altLang="en-US" dirty="0" smtClean="0"/>
+              <a:t>伪代码</a:t>
+            </a:r>
+            <a:endParaRPr lang="en-US" altLang="zh-CN" dirty="0" smtClean="0"/>
+          </a:p>
+          <a:p>
+            <a:pPr lvl="1"/>
+            <a:r>
+              <a:rPr lang="en-US" altLang="zh-CN" dirty="0" err="1"/>
+              <a:t>data_to</a:t>
+            </a:r>
+            <a:r>
+              <a:rPr lang="en-US" altLang="zh-CN" dirty="0" smtClean="0"/>
+              <a:t>::</a:t>
+            </a:r>
+            <a:r>
+              <a:rPr lang="en-US" altLang="zh-CN" dirty="0"/>
+              <a:t>update</a:t>
+            </a:r>
+            <a:r>
+              <a:rPr lang="zh-CN" altLang="en-US" dirty="0" smtClean="0"/>
+              <a:t>：</a:t>
+            </a:r>
+            <a:endParaRPr lang="en-US" altLang="zh-CN" dirty="0" smtClean="0"/>
+          </a:p>
+          <a:p>
+            <a:pPr lvl="2"/>
+            <a:r>
+              <a:rPr lang="zh-CN" altLang="en-US" dirty="0" smtClean="0"/>
+              <a:t>用于每执行一次写操作，更新相应的读和预写列表</a:t>
+            </a:r>
+            <a:endParaRPr lang="en-US" altLang="zh-CN" dirty="0" smtClean="0"/>
+          </a:p>
+          <a:p>
+            <a:pPr lvl="2"/>
+            <a:endParaRPr lang="en-US" altLang="zh-CN" dirty="0" smtClean="0"/>
+          </a:p>
+          <a:p>
+            <a:r>
+              <a:rPr lang="en-US" altLang="zh-CN" dirty="0" smtClean="0"/>
+              <a:t>3. </a:t>
+            </a:r>
+            <a:r>
+              <a:rPr lang="zh-CN" altLang="en-US" dirty="0"/>
+              <a:t>运行</a:t>
+            </a:r>
+            <a:r>
+              <a:rPr lang="en-US" altLang="zh-CN" dirty="0"/>
+              <a:t>main</a:t>
+            </a:r>
+            <a:r>
+              <a:rPr lang="zh-CN" altLang="en-US" dirty="0"/>
+              <a:t>函数，其中包含测试程序，模拟若干个事务的并发，最后输出</a:t>
+            </a:r>
+            <a:r>
+              <a:rPr lang="en-US" altLang="zh-CN" dirty="0" err="1"/>
+              <a:t>hash_map</a:t>
+            </a:r>
+            <a:r>
+              <a:rPr lang="zh-CN" altLang="en-US" dirty="0"/>
+              <a:t>中的数据值，判断结果正确性</a:t>
+            </a:r>
+            <a:endParaRPr lang="en-US" altLang="zh-CN" dirty="0"/>
+          </a:p>
+        </p:txBody>
+      </p:sp>
+    </p:spTree>
+    <p:extLst>
+      <p:ext uri="{BB962C8B-B14F-4D97-AF65-F5344CB8AC3E}">
+        <p14:creationId xmlns:p14="http://schemas.microsoft.com/office/powerpoint/2010/main" val="1875783775"/>
+      </p:ext>
+    </p:extLst>
+  </p:cSld>
+  <p:clrMapOvr>
+    <a:masterClrMapping/>
+  </p:clrMapOvr>
+  <p:timing>
+    <p:tnLst>
+      <p:par>
+        <p:cTn id="1" dur="indefinite" restart="never" nodeType="tmRoot"/>
+      </p:par>
+    </p:tnLst>
+  </p:timing>
+</p:sld>
+</file>
+
+<file path=ppt/slides/slide17.xml><?xml version="1.0" encoding="utf-8"?>
+<p:sld xmlns:a="http://schemas.openxmlformats.org/drawingml/2006/main" xmlns:r="http://schemas.openxmlformats.org/officeDocument/2006/relationships" xmlns:p="http://schemas.openxmlformats.org/presentationml/2006/main">
+  <p:cSld>
+    <p:spTree>
+      <p:nvGrpSpPr>
+        <p:cNvPr id="1" name=""/>
+        <p:cNvGrpSpPr/>
+        <p:nvPr/>
+      </p:nvGrpSpPr>
+      <p:grpSpPr>
+        <a:xfrm>
+          <a:off x="0" y="0"/>
+          <a:ext cx="0" cy="0"/>
+          <a:chOff x="0" y="0"/>
+          <a:chExt cx="0" cy="0"/>
+        </a:xfrm>
+      </p:grpSpPr>
+      <p:sp>
+        <p:nvSpPr>
+          <p:cNvPr id="2" name="标题 1"/>
+          <p:cNvSpPr>
+            <a:spLocks noGrp="1"/>
+          </p:cNvSpPr>
+          <p:nvPr>
+            <p:ph type="title"/>
+          </p:nvPr>
+        </p:nvSpPr>
+        <p:spPr/>
+        <p:txBody>
+          <a:bodyPr/>
+          <a:lstStyle/>
+          <a:p>
+            <a:r>
+              <a:rPr lang="zh-CN" altLang="en-US" dirty="0"/>
+              <a:t>思考</a:t>
+            </a:r>
+          </a:p>
+        </p:txBody>
+      </p:sp>
+      <p:sp>
+        <p:nvSpPr>
+          <p:cNvPr id="3" name="日期占位符 2"/>
+          <p:cNvSpPr>
+            <a:spLocks noGrp="1"/>
+          </p:cNvSpPr>
+          <p:nvPr>
+            <p:ph type="dt" sz="half" idx="10"/>
+          </p:nvPr>
+        </p:nvSpPr>
+        <p:spPr/>
+        <p:txBody>
+          <a:bodyPr/>
+          <a:lstStyle/>
+          <a:p>
+            <a:pPr eaLnBrk="1" latinLnBrk="0" hangingPunct="1"/>
+            <a:fld id="{5B07C305-A121-4768-B6E8-C8CCF036FD24}" type="datetime1">
+              <a:rPr lang="en-US" altLang="zh-CN" smtClean="0"/>
+              <a:t>5/22/2019</a:t>
+            </a:fld>
+            <a:endParaRPr lang="en-US" dirty="0"/>
+          </a:p>
+        </p:txBody>
+      </p:sp>
+      <p:sp>
+        <p:nvSpPr>
+          <p:cNvPr id="4" name="灯片编号占位符 3"/>
+          <p:cNvSpPr>
+            <a:spLocks noGrp="1"/>
+          </p:cNvSpPr>
+          <p:nvPr>
+            <p:ph type="sldNum" sz="quarter" idx="12"/>
+          </p:nvPr>
+        </p:nvSpPr>
+        <p:spPr/>
+        <p:txBody>
+          <a:bodyPr>
+            <a:normAutofit fontScale="85000" lnSpcReduction="20000"/>
+          </a:bodyPr>
+          <a:lstStyle/>
+          <a:p>
+            <a:pPr eaLnBrk="1" latinLnBrk="0" hangingPunct="1"/>
+            <a:fld id="{F0C94032-CD4C-4C25-B0C2-CEC720522D92}" type="slidenum">
+              <a:rPr kumimoji="0" lang="en-US" smtClean="0"/>
+              <a:pPr eaLnBrk="1" latinLnBrk="0" hangingPunct="1"/>
+              <a:t>17</a:t>
+            </a:fld>
+            <a:endParaRPr kumimoji="0" lang="en-US" dirty="0">
+              <a:solidFill>
+                <a:srgbClr val="FFFFFF"/>
+              </a:solidFill>
+            </a:endParaRPr>
+          </a:p>
+        </p:txBody>
+      </p:sp>
+      <p:sp>
+        <p:nvSpPr>
+          <p:cNvPr id="5" name="内容占位符 4"/>
+          <p:cNvSpPr>
+            <a:spLocks noGrp="1"/>
+          </p:cNvSpPr>
+          <p:nvPr>
+            <p:ph sz="quarter" idx="1"/>
+          </p:nvPr>
+        </p:nvSpPr>
+        <p:spPr/>
+        <p:txBody>
           <a:bodyPr/>
           <a:lstStyle/>
           <a:p>
@@ -10406,6 +10679,13 @@
   <p:clrMapOvr>
     <a:masterClrMapping/>
   </p:clrMapOvr>
+  <p:timing>
+    <p:tnLst>
+      <p:par>
+        <p:cTn id="1" dur="indefinite" restart="never" nodeType="tmRoot"/>
+      </p:par>
+    </p:tnLst>
+  </p:timing>
 </p:sld>
 </file>
 
@@ -10530,6 +10810,13 @@
   <p:clrMapOvr>
     <a:masterClrMapping/>
   </p:clrMapOvr>
+  <p:timing>
+    <p:tnLst>
+      <p:par>
+        <p:cTn id="1" dur="indefinite" restart="never" nodeType="tmRoot"/>
+      </p:par>
+    </p:tnLst>
+  </p:timing>
 </p:sld>
 </file>
 
@@ -10658,100 +10945,112 @@
           <a:lstStyle/>
           <a:p>
             <a:r>
-              <a:rPr lang="zh-CN" altLang="en-US" sz="3600" dirty="0" smtClean="0"/>
+              <a:rPr lang="zh-CN" altLang="en-US" dirty="0"/>
               <a:t>对事务</a:t>
             </a:r>
             <a:r>
-              <a:rPr lang="en-US" altLang="zh-CN" sz="3600" dirty="0" err="1"/>
+              <a:rPr lang="en-US" altLang="zh-CN" dirty="0" err="1"/>
               <a:t>Ti</a:t>
             </a:r>
             <a:r>
-              <a:rPr lang="en-US" altLang="zh-CN" sz="3600" dirty="0"/>
+              <a:rPr lang="en-US" altLang="zh-CN" dirty="0"/>
               <a:t>, </a:t>
             </a:r>
             <a:r>
-              <a:rPr lang="zh-CN" altLang="en-US" sz="3600" dirty="0"/>
+              <a:rPr lang="zh-CN" altLang="en-US" dirty="0"/>
               <a:t>假设它读取数据</a:t>
             </a:r>
             <a:r>
-              <a:rPr lang="en-US" altLang="zh-CN" sz="3600" dirty="0"/>
+              <a:rPr lang="en-US" altLang="zh-CN" dirty="0"/>
               <a:t>X</a:t>
             </a:r>
             <a:r>
-              <a:rPr lang="zh-CN" altLang="en-US" sz="3600" dirty="0"/>
+              <a:rPr lang="zh-CN" altLang="en-US" dirty="0"/>
               <a:t>， 如果</a:t>
             </a:r>
             <a:r>
-              <a:rPr lang="en-US" altLang="zh-CN" sz="3600" dirty="0"/>
+              <a:rPr lang="en-US" altLang="zh-CN" dirty="0"/>
               <a:t>TS(</a:t>
             </a:r>
             <a:r>
-              <a:rPr lang="en-US" altLang="zh-CN" sz="3600" dirty="0" err="1"/>
+              <a:rPr lang="en-US" altLang="zh-CN" dirty="0" err="1"/>
               <a:t>Ti</a:t>
             </a:r>
             <a:r>
-              <a:rPr lang="en-US" altLang="zh-CN" sz="3600" dirty="0"/>
+              <a:rPr lang="en-US" altLang="zh-CN" dirty="0"/>
               <a:t>)&lt;W-TS(X)</a:t>
             </a:r>
             <a:r>
-              <a:rPr lang="zh-CN" altLang="en-US" sz="3600" dirty="0"/>
+              <a:rPr lang="zh-CN" altLang="en-US" dirty="0" smtClean="0"/>
               <a:t>：</a:t>
             </a:r>
-            <a:endParaRPr lang="en-US" altLang="zh-CN" sz="3600" dirty="0"/>
+            <a:endParaRPr lang="en-US" altLang="zh-CN" dirty="0"/>
           </a:p>
           <a:p>
             <a:pPr lvl="1"/>
             <a:r>
-              <a:rPr lang="zh-CN" altLang="en-US" sz="3200" dirty="0"/>
-              <a:t>意味着读到了未来的数据</a:t>
-            </a:r>
-            <a:endParaRPr lang="en-US" altLang="zh-CN" sz="3200" dirty="0"/>
+              <a:rPr lang="zh-CN" altLang="en-US" sz="2800" dirty="0" smtClean="0"/>
+              <a:t>意味着</a:t>
+            </a:r>
+            <a:r>
+              <a:rPr lang="zh-CN" altLang="en-US" sz="2800" dirty="0"/>
+              <a:t>读到了未来的</a:t>
+            </a:r>
+            <a:r>
+              <a:rPr lang="zh-CN" altLang="en-US" sz="2800" dirty="0" smtClean="0"/>
+              <a:t>数据</a:t>
+            </a:r>
+            <a:endParaRPr lang="en-US" altLang="zh-CN" sz="2800" dirty="0"/>
           </a:p>
           <a:p>
             <a:pPr lvl="1"/>
             <a:r>
-              <a:rPr lang="zh-CN" altLang="en-US" sz="3200" dirty="0"/>
+              <a:rPr lang="zh-CN" altLang="en-US" sz="2800" dirty="0" smtClean="0"/>
               <a:t>事务</a:t>
             </a:r>
             <a:r>
-              <a:rPr lang="en-US" altLang="zh-CN" sz="3200" dirty="0" err="1"/>
+              <a:rPr lang="en-US" altLang="zh-CN" sz="2800" dirty="0" err="1"/>
               <a:t>Ti</a:t>
             </a:r>
             <a:r>
-              <a:rPr lang="zh-CN" altLang="en-US" sz="3200" dirty="0"/>
+              <a:rPr lang="zh-CN" altLang="en-US" sz="2800" dirty="0"/>
               <a:t> </a:t>
             </a:r>
             <a:r>
-              <a:rPr lang="en-US" altLang="zh-CN" sz="3200" dirty="0"/>
+              <a:rPr lang="en-US" altLang="zh-CN" sz="2800" dirty="0"/>
               <a:t>abort &amp; </a:t>
             </a:r>
             <a:r>
-              <a:rPr lang="en-US" altLang="zh-CN" sz="3200" dirty="0" smtClean="0"/>
+              <a:rPr lang="en-US" altLang="zh-CN" sz="2800" dirty="0"/>
               <a:t>restart</a:t>
             </a:r>
           </a:p>
           <a:p>
             <a:pPr lvl="1"/>
-            <a:endParaRPr lang="en-US" altLang="zh-CN" sz="3200" dirty="0"/>
-          </a:p>
-          <a:p>
-            <a:r>
-              <a:rPr lang="zh-CN" altLang="en-US" sz="4000" dirty="0"/>
+            <a:endParaRPr lang="en-US" altLang="zh-CN" sz="2900" dirty="0"/>
+          </a:p>
+          <a:p>
+            <a:r>
+              <a:rPr lang="zh-CN" altLang="en-US" dirty="0" smtClean="0"/>
               <a:t>否则</a:t>
             </a:r>
-            <a:endParaRPr lang="en-US" altLang="zh-CN" sz="4000" dirty="0"/>
+            <a:endParaRPr lang="en-US" altLang="zh-CN" dirty="0"/>
           </a:p>
           <a:p>
             <a:pPr lvl="1"/>
             <a:r>
-              <a:rPr lang="zh-CN" altLang="en-US" sz="3200" dirty="0"/>
-              <a:t>执行读操作，并更新</a:t>
-            </a:r>
-            <a:r>
-              <a:rPr lang="en-US" altLang="zh-CN" sz="3200" dirty="0"/>
+              <a:rPr lang="zh-CN" altLang="en-US" sz="2800" dirty="0" smtClean="0"/>
+              <a:t>执行</a:t>
+            </a:r>
+            <a:r>
+              <a:rPr lang="zh-CN" altLang="en-US" sz="2800" dirty="0"/>
+              <a:t>读操作，并更新</a:t>
+            </a:r>
+            <a:r>
+              <a:rPr lang="en-US" altLang="zh-CN" sz="2800" dirty="0"/>
               <a:t>R-TS(X)</a:t>
             </a:r>
-            <a:endParaRPr lang="zh-CN" altLang="en-US" sz="3200" dirty="0"/>
+            <a:endParaRPr lang="zh-CN" altLang="en-US" sz="2800" dirty="0"/>
           </a:p>
           <a:p>
             <a:pPr marL="0" indent="0">
@@ -10906,120 +11205,120 @@
           <a:lstStyle/>
           <a:p>
             <a:r>
-              <a:rPr lang="zh-CN" altLang="en-US" sz="3600" dirty="0" smtClean="0"/>
+              <a:rPr lang="zh-CN" altLang="en-US" dirty="0"/>
               <a:t>对事务</a:t>
             </a:r>
             <a:r>
-              <a:rPr lang="en-US" altLang="zh-CN" sz="3600" dirty="0" err="1"/>
+              <a:rPr lang="en-US" altLang="zh-CN" dirty="0" err="1"/>
               <a:t>Ti</a:t>
             </a:r>
             <a:r>
-              <a:rPr lang="en-US" altLang="zh-CN" sz="3600" dirty="0"/>
+              <a:rPr lang="en-US" altLang="zh-CN" dirty="0"/>
               <a:t>, </a:t>
             </a:r>
             <a:r>
-              <a:rPr lang="zh-CN" altLang="en-US" sz="3600" dirty="0"/>
+              <a:rPr lang="zh-CN" altLang="en-US" dirty="0"/>
               <a:t>假设它写数据</a:t>
             </a:r>
             <a:r>
-              <a:rPr lang="en-US" altLang="zh-CN" sz="3600" dirty="0"/>
+              <a:rPr lang="en-US" altLang="zh-CN" dirty="0"/>
               <a:t>X</a:t>
             </a:r>
             <a:r>
-              <a:rPr lang="zh-CN" altLang="en-US" sz="3600" dirty="0"/>
+              <a:rPr lang="zh-CN" altLang="en-US" dirty="0"/>
               <a:t>， 如果</a:t>
             </a:r>
             <a:r>
-              <a:rPr lang="en-US" altLang="zh-CN" sz="3600" dirty="0"/>
+              <a:rPr lang="en-US" altLang="zh-CN" dirty="0"/>
               <a:t>TS(</a:t>
             </a:r>
             <a:r>
-              <a:rPr lang="en-US" altLang="zh-CN" sz="3600" dirty="0" err="1"/>
+              <a:rPr lang="en-US" altLang="zh-CN" dirty="0" err="1"/>
               <a:t>Ti</a:t>
             </a:r>
             <a:r>
-              <a:rPr lang="en-US" altLang="zh-CN" sz="3600" dirty="0"/>
+              <a:rPr lang="en-US" altLang="zh-CN" dirty="0"/>
               <a:t>)&lt;R-TS(X)</a:t>
             </a:r>
             <a:r>
-              <a:rPr lang="zh-CN" altLang="en-US" sz="3600" dirty="0"/>
+              <a:rPr lang="zh-CN" altLang="en-US" dirty="0"/>
               <a:t>或者</a:t>
             </a:r>
             <a:r>
-              <a:rPr lang="en-US" altLang="zh-CN" sz="3600" dirty="0"/>
+              <a:rPr lang="en-US" altLang="zh-CN" dirty="0"/>
               <a:t>TS(</a:t>
             </a:r>
             <a:r>
-              <a:rPr lang="en-US" altLang="zh-CN" sz="3600" dirty="0" err="1"/>
+              <a:rPr lang="en-US" altLang="zh-CN" dirty="0" err="1"/>
               <a:t>Ti</a:t>
             </a:r>
             <a:r>
-              <a:rPr lang="en-US" altLang="zh-CN" sz="3600" dirty="0"/>
+              <a:rPr lang="en-US" altLang="zh-CN" dirty="0"/>
               <a:t>)&lt;W-TS(X) </a:t>
             </a:r>
             <a:r>
-              <a:rPr lang="zh-CN" altLang="en-US" sz="3600" dirty="0"/>
+              <a:rPr lang="zh-CN" altLang="en-US" dirty="0"/>
               <a:t>：</a:t>
             </a:r>
-            <a:endParaRPr lang="en-US" altLang="zh-CN" sz="3600" dirty="0"/>
+            <a:endParaRPr lang="en-US" altLang="zh-CN" dirty="0"/>
           </a:p>
           <a:p>
             <a:pPr lvl="1"/>
             <a:r>
-              <a:rPr lang="zh-CN" altLang="en-US" sz="3200" dirty="0"/>
+              <a:rPr lang="zh-CN" altLang="en-US" sz="2900" dirty="0"/>
               <a:t>意味未来操作跳过了</a:t>
             </a:r>
             <a:r>
-              <a:rPr lang="en-US" altLang="zh-CN" sz="3200" dirty="0" err="1"/>
+              <a:rPr lang="en-US" altLang="zh-CN" sz="2900" dirty="0" err="1"/>
               <a:t>Ti</a:t>
             </a:r>
-            <a:endParaRPr lang="en-US" altLang="zh-CN" sz="3200" dirty="0"/>
+            <a:endParaRPr lang="en-US" altLang="zh-CN" sz="2900" dirty="0"/>
           </a:p>
           <a:p>
             <a:pPr lvl="1"/>
             <a:r>
-              <a:rPr lang="zh-CN" altLang="en-US" sz="3200" dirty="0"/>
+              <a:rPr lang="zh-CN" altLang="en-US" sz="2900" dirty="0"/>
               <a:t>事务</a:t>
             </a:r>
             <a:r>
-              <a:rPr lang="en-US" altLang="zh-CN" sz="3200" dirty="0" err="1"/>
+              <a:rPr lang="en-US" altLang="zh-CN" sz="2900" dirty="0" err="1"/>
               <a:t>Ti</a:t>
             </a:r>
             <a:r>
-              <a:rPr lang="zh-CN" altLang="en-US" sz="3200" dirty="0"/>
+              <a:rPr lang="zh-CN" altLang="en-US" sz="2900" dirty="0"/>
               <a:t> </a:t>
             </a:r>
             <a:r>
-              <a:rPr lang="en-US" altLang="zh-CN" sz="3200" dirty="0"/>
+              <a:rPr lang="en-US" altLang="zh-CN" sz="2900" dirty="0"/>
               <a:t>abort &amp; </a:t>
             </a:r>
             <a:r>
-              <a:rPr lang="en-US" altLang="zh-CN" sz="3200" dirty="0" smtClean="0"/>
+              <a:rPr lang="en-US" altLang="zh-CN" sz="2900" dirty="0"/>
               <a:t>restart</a:t>
             </a:r>
           </a:p>
           <a:p>
             <a:pPr lvl="1"/>
-            <a:endParaRPr lang="en-US" altLang="zh-CN" sz="3200" dirty="0"/>
-          </a:p>
-          <a:p>
-            <a:r>
-              <a:rPr lang="zh-CN" altLang="en-US" sz="4000" dirty="0"/>
+            <a:endParaRPr lang="en-US" altLang="zh-CN" sz="2900" dirty="0"/>
+          </a:p>
+          <a:p>
+            <a:r>
+              <a:rPr lang="zh-CN" altLang="en-US" dirty="0"/>
               <a:t>否则</a:t>
             </a:r>
-            <a:endParaRPr lang="en-US" altLang="zh-CN" sz="4000" dirty="0"/>
+            <a:endParaRPr lang="en-US" altLang="zh-CN" dirty="0"/>
           </a:p>
           <a:p>
             <a:pPr lvl="1"/>
             <a:r>
-              <a:rPr lang="zh-CN" altLang="en-US" sz="3200" dirty="0"/>
+              <a:rPr lang="zh-CN" altLang="en-US" sz="2900" dirty="0"/>
               <a:t>执行写操作，并更新</a:t>
             </a:r>
             <a:r>
-              <a:rPr lang="en-US" altLang="zh-CN" sz="3200" dirty="0"/>
+              <a:rPr lang="en-US" altLang="zh-CN" sz="2900" dirty="0"/>
               <a:t>W-TS(X)</a:t>
             </a:r>
-            <a:endParaRPr lang="zh-CN" altLang="en-US" sz="3200" dirty="0"/>
+            <a:endParaRPr lang="zh-CN" altLang="en-US" sz="2900" dirty="0"/>
           </a:p>
         </p:txBody>
       </p:sp>
@@ -11072,21 +11371,73 @@
         </p:nvSpPr>
         <p:spPr/>
         <p:txBody>
-          <a:bodyPr/>
+          <a:bodyPr>
+            <a:normAutofit fontScale="70000" lnSpcReduction="20000"/>
+          </a:bodyPr>
           <a:lstStyle/>
           <a:p>
             <a:r>
               <a:rPr lang="zh-CN" altLang="en-US" dirty="0"/>
-              <a:t>源码地址：</a:t>
+              <a:t>源码地址</a:t>
+            </a:r>
+            <a:r>
+              <a:rPr lang="zh-CN" altLang="en-US" dirty="0" smtClean="0"/>
+              <a:t>：</a:t>
+            </a:r>
+            <a:endParaRPr lang="en-US" altLang="zh-CN" dirty="0" smtClean="0"/>
+          </a:p>
+          <a:p>
+            <a:r>
+              <a:rPr lang="en-US" altLang="zh-CN" dirty="0" smtClean="0">
+                <a:hlinkClick r:id="rId2"/>
+              </a:rPr>
+              <a:t>git@github.com:ZhangZihao270/</a:t>
+            </a:r>
+            <a:r>
+              <a:rPr lang="en-US" altLang="zh-CN" dirty="0" err="1" smtClean="0">
+                <a:hlinkClick r:id="rId2"/>
+              </a:rPr>
+              <a:t>DaSE_DBMS_Implemention.git</a:t>
+            </a:r>
+            <a:endParaRPr lang="en-US" altLang="zh-CN" dirty="0" smtClean="0"/>
+          </a:p>
+          <a:p>
+            <a:endParaRPr lang="en-US" altLang="zh-CN" dirty="0" smtClean="0"/>
+          </a:p>
+          <a:p>
+            <a:r>
+              <a:rPr lang="en-US" altLang="zh-CN" b="1" u="sng" dirty="0" err="1">
+                <a:hlinkClick r:id="rId3"/>
+              </a:rPr>
+              <a:t>DaSE_DBMS_Implemention</a:t>
             </a:r>
             <a:r>
               <a:rPr lang="en-US" altLang="zh-CN" dirty="0"/>
-              <a:t>git@github.com:ZhangZihao270/</a:t>
-            </a:r>
-            <a:r>
-              <a:rPr lang="en-US" altLang="zh-CN" dirty="0" err="1"/>
-              <a:t>DaSE_DBMS_Implemention.git</a:t>
-            </a:r>
+              <a:t>/</a:t>
+            </a:r>
+            <a:r>
+              <a:rPr lang="zh-CN" altLang="en-US" dirty="0">
+                <a:hlinkClick r:id="rId4"/>
+              </a:rPr>
+              <a:t>并发控制</a:t>
+            </a:r>
+            <a:r>
+              <a:rPr lang="en-US" altLang="zh-CN" dirty="0"/>
+              <a:t>/</a:t>
+            </a:r>
+            <a:r>
+              <a:rPr lang="en-US" altLang="zh-CN" dirty="0" err="1" smtClean="0">
+                <a:hlinkClick r:id="rId5"/>
+              </a:rPr>
+              <a:t>cc_to</a:t>
+            </a:r>
+            <a:r>
+              <a:rPr lang="en-US" altLang="zh-CN" dirty="0"/>
+              <a:t/>
+            </a:r>
+            <a:br>
+              <a:rPr lang="en-US" altLang="zh-CN" dirty="0"/>
+            </a:br>
             <a:endParaRPr lang="zh-CN" altLang="en-US" dirty="0"/>
           </a:p>
         </p:txBody>
@@ -11189,6 +11540,13 @@
   <p:clrMapOvr>
     <a:masterClrMapping/>
   </p:clrMapOvr>
+  <p:timing>
+    <p:tnLst>
+      <p:par>
+        <p:cTn id="1" dur="indefinite" restart="never" nodeType="tmRoot"/>
+      </p:par>
+    </p:tnLst>
+  </p:timing>
 </p:sld>
 </file>
 
@@ -11326,28 +11684,22 @@
         </p:nvSpPr>
         <p:spPr/>
         <p:txBody>
-          <a:bodyPr/>
-          <a:lstStyle/>
-          <a:p>
-            <a:r>
-              <a:rPr lang="zh-CN" altLang="zh-CN" dirty="0"/>
-              <a:t>设</a:t>
-            </a:r>
-            <a:r>
-              <a:rPr lang="en-US" altLang="zh-CN" dirty="0"/>
-              <a:t>R</a:t>
-            </a:r>
-            <a:r>
-              <a:rPr lang="zh-CN" altLang="zh-CN" dirty="0"/>
-              <a:t>为读操作，</a:t>
-            </a:r>
-            <a:r>
-              <a:rPr lang="en-US" altLang="zh-CN" dirty="0"/>
-              <a:t>W</a:t>
-            </a:r>
-            <a:r>
-              <a:rPr lang="zh-CN" altLang="zh-CN" dirty="0"/>
-              <a:t>为写操作，</a:t>
+          <a:bodyPr>
+            <a:normAutofit lnSpcReduction="10000"/>
+          </a:bodyPr>
+          <a:lstStyle/>
+          <a:p>
+            <a:r>
+              <a:rPr lang="zh-CN" altLang="en-US" dirty="0" smtClean="0"/>
+              <a:t>维护若干时间戳</a:t>
+            </a:r>
+            <a:endParaRPr lang="en-US" altLang="zh-CN" dirty="0" smtClean="0"/>
+          </a:p>
+          <a:p>
+            <a:pPr lvl="1"/>
+            <a:r>
+              <a:rPr lang="zh-CN" altLang="en-US" dirty="0" smtClean="0"/>
+              <a:t>事务时间戳：以事务开始时间标识事务的先后顺序，表示为</a:t>
             </a:r>
             <a:r>
               <a:rPr lang="en-US" altLang="zh-CN" dirty="0" err="1" smtClean="0"/>
@@ -11355,19 +11707,14 @@
             </a:r>
             <a:r>
               <a:rPr lang="en-US" altLang="zh-CN" dirty="0" smtClean="0"/>
-              <a:t>()</a:t>
-            </a:r>
-            <a:r>
-              <a:rPr lang="zh-CN" altLang="zh-CN" dirty="0" smtClean="0"/>
-              <a:t>为</a:t>
-            </a:r>
-            <a:r>
-              <a:rPr lang="zh-CN" altLang="zh-CN" dirty="0"/>
-              <a:t>某个事务的时间戳</a:t>
-            </a:r>
-            <a:r>
-              <a:rPr lang="zh-CN" altLang="zh-CN" dirty="0" smtClean="0"/>
-              <a:t>，</a:t>
+              <a:t>(T)</a:t>
+            </a:r>
+          </a:p>
+          <a:p>
+            <a:pPr lvl="1"/>
+            <a:r>
+              <a:rPr lang="zh-CN" altLang="en-US" dirty="0" smtClean="0"/>
+              <a:t>数据项读写时间戳：记录读写该数据的最新事务的时间戳，表示为</a:t>
             </a:r>
             <a:r>
               <a:rPr lang="en-US" altLang="zh-CN" dirty="0" err="1" smtClean="0"/>
@@ -11375,39 +11722,21 @@
             </a:r>
             <a:r>
               <a:rPr lang="en-US" altLang="zh-CN" dirty="0" smtClean="0"/>
-              <a:t>()</a:t>
-            </a:r>
-            <a:r>
-              <a:rPr lang="zh-CN" altLang="en-US" dirty="0" smtClean="0"/>
-              <a:t>、</a:t>
+              <a:t>(X), </a:t>
             </a:r>
             <a:r>
               <a:rPr lang="en-US" altLang="zh-CN" dirty="0" err="1" smtClean="0"/>
               <a:t>w_ts</a:t>
             </a:r>
             <a:r>
-              <a:rPr lang="en-US" altLang="zh-CN" dirty="0"/>
-              <a:t>()</a:t>
-            </a:r>
-            <a:r>
-              <a:rPr lang="zh-CN" altLang="zh-CN" dirty="0"/>
-              <a:t>为某个数据项的时间戳，</a:t>
-            </a:r>
-            <a:r>
-              <a:rPr lang="en-US" altLang="zh-CN" dirty="0"/>
-              <a:t>x</a:t>
-            </a:r>
-            <a:r>
-              <a:rPr lang="zh-CN" altLang="zh-CN" dirty="0"/>
-              <a:t>表示一个</a:t>
-            </a:r>
-            <a:r>
-              <a:rPr lang="zh-CN" altLang="zh-CN" dirty="0" smtClean="0"/>
-              <a:t>数据项</a:t>
-            </a:r>
-            <a:endParaRPr lang="en-US" altLang="zh-CN" dirty="0" smtClean="0"/>
-          </a:p>
-          <a:p>
+              <a:rPr lang="en-US" altLang="zh-CN" dirty="0" smtClean="0"/>
+              <a:t>(X)</a:t>
+            </a:r>
+          </a:p>
+          <a:p>
+            <a:pPr marL="365760" lvl="1" indent="0">
+              <a:buNone/>
+            </a:pPr>
             <a:endParaRPr lang="zh-CN" altLang="zh-CN" dirty="0"/>
           </a:p>
           <a:p>
@@ -11496,6 +11825,13 @@
   <p:clrMapOvr>
     <a:masterClrMapping/>
   </p:clrMapOvr>
+  <p:timing>
+    <p:tnLst>
+      <p:par>
+        <p:cTn id="1" dur="indefinite" restart="never" nodeType="tmRoot"/>
+      </p:par>
+    </p:tnLst>
+  </p:timing>
 </p:sld>
 </file>
 
@@ -11739,6 +12075,13 @@
   <p:clrMapOvr>
     <a:masterClrMapping/>
   </p:clrMapOvr>
+  <p:timing>
+    <p:tnLst>
+      <p:par>
+        <p:cTn id="1" dur="indefinite" restart="never" nodeType="tmRoot"/>
+      </p:par>
+    </p:tnLst>
+  </p:timing>
 </p:sld>
 </file>
 
@@ -11877,7 +12220,7 @@
         <p:spPr/>
         <p:txBody>
           <a:bodyPr>
-            <a:normAutofit fontScale="92500" lnSpcReduction="20000"/>
+            <a:normAutofit fontScale="85000" lnSpcReduction="20000"/>
           </a:bodyPr>
           <a:lstStyle/>
           <a:p>
@@ -12081,9 +12424,29 @@
             </a:r>
             <a:r>
               <a:rPr lang="zh-CN" altLang="en-US" dirty="0" smtClean="0"/>
-              <a:t>增大，执行小于该时间戳的写操作</a:t>
-            </a:r>
-            <a:endParaRPr lang="zh-CN" altLang="zh-CN" dirty="0"/>
+              <a:t>增大，执行小于该时间戳的写</a:t>
+            </a:r>
+            <a:r>
+              <a:rPr lang="zh-CN" altLang="en-US" dirty="0" smtClean="0"/>
+              <a:t>操作</a:t>
+            </a:r>
+            <a:endParaRPr lang="en-US" altLang="zh-CN" dirty="0" smtClean="0"/>
+          </a:p>
+          <a:p>
+            <a:pPr lvl="2"/>
+            <a:r>
+              <a:rPr lang="zh-CN" altLang="en-US" dirty="0" smtClean="0">
+                <a:solidFill>
+                  <a:srgbClr val="FF0000"/>
+                </a:solidFill>
+              </a:rPr>
+              <a:t>其实相当于将读队列和预写队列的请求按时间戳从大到小依次执行</a:t>
+            </a:r>
+            <a:endParaRPr lang="zh-CN" altLang="zh-CN" dirty="0">
+              <a:solidFill>
+                <a:srgbClr val="FF0000"/>
+              </a:solidFill>
+            </a:endParaRPr>
           </a:p>
         </p:txBody>
       </p:sp>
@@ -12097,6 +12460,139 @@
   <p:clrMapOvr>
     <a:masterClrMapping/>
   </p:clrMapOvr>
+  <p:timing>
+    <p:tnLst>
+      <p:par>
+        <p:cTn id="1" dur="indefinite" restart="never" nodeType="tmRoot">
+          <p:childTnLst>
+            <p:seq concurrent="1" nextAc="seek">
+              <p:cTn id="2" dur="indefinite" nodeType="mainSeq">
+                <p:childTnLst>
+                  <p:par>
+                    <p:cTn id="3" fill="hold">
+                      <p:stCondLst>
+                        <p:cond delay="indefinite"/>
+                      </p:stCondLst>
+                      <p:childTnLst>
+                        <p:par>
+                          <p:cTn id="4" fill="hold">
+                            <p:stCondLst>
+                              <p:cond delay="0"/>
+                            </p:stCondLst>
+                            <p:childTnLst>
+                              <p:par>
+                                <p:cTn id="5" presetID="2" presetClass="entr" presetSubtype="4" fill="hold" nodeType="clickEffect">
+                                  <p:stCondLst>
+                                    <p:cond delay="0"/>
+                                  </p:stCondLst>
+                                  <p:childTnLst>
+                                    <p:set>
+                                      <p:cBhvr>
+                                        <p:cTn id="6" dur="1" fill="hold">
+                                          <p:stCondLst>
+                                            <p:cond delay="0"/>
+                                          </p:stCondLst>
+                                        </p:cTn>
+                                        <p:tgtEl>
+                                          <p:spTgt spid="5">
+                                            <p:txEl>
+                                              <p:pRg st="8" end="8"/>
+                                            </p:txEl>
+                                          </p:spTgt>
+                                        </p:tgtEl>
+                                        <p:attrNameLst>
+                                          <p:attrName>style.visibility</p:attrName>
+                                        </p:attrNameLst>
+                                      </p:cBhvr>
+                                      <p:to>
+                                        <p:strVal val="visible"/>
+                                      </p:to>
+                                    </p:set>
+                                    <p:anim calcmode="lin" valueType="num">
+                                      <p:cBhvr additive="base">
+                                        <p:cTn id="7" dur="500" fill="hold"/>
+                                        <p:tgtEl>
+                                          <p:spTgt spid="5">
+                                            <p:txEl>
+                                              <p:pRg st="8" end="8"/>
+                                            </p:txEl>
+                                          </p:spTgt>
+                                        </p:tgtEl>
+                                        <p:attrNameLst>
+                                          <p:attrName>ppt_x</p:attrName>
+                                        </p:attrNameLst>
+                                      </p:cBhvr>
+                                      <p:tavLst>
+                                        <p:tav tm="0">
+                                          <p:val>
+                                            <p:strVal val="#ppt_x"/>
+                                          </p:val>
+                                        </p:tav>
+                                        <p:tav tm="100000">
+                                          <p:val>
+                                            <p:strVal val="#ppt_x"/>
+                                          </p:val>
+                                        </p:tav>
+                                      </p:tavLst>
+                                    </p:anim>
+                                    <p:anim calcmode="lin" valueType="num">
+                                      <p:cBhvr additive="base">
+                                        <p:cTn id="8" dur="500" fill="hold"/>
+                                        <p:tgtEl>
+                                          <p:spTgt spid="5">
+                                            <p:txEl>
+                                              <p:pRg st="8" end="8"/>
+                                            </p:txEl>
+                                          </p:spTgt>
+                                        </p:tgtEl>
+                                        <p:attrNameLst>
+                                          <p:attrName>ppt_y</p:attrName>
+                                        </p:attrNameLst>
+                                      </p:cBhvr>
+                                      <p:tavLst>
+                                        <p:tav tm="0">
+                                          <p:val>
+                                            <p:strVal val="1+#ppt_h/2"/>
+                                          </p:val>
+                                        </p:tav>
+                                        <p:tav tm="100000">
+                                          <p:val>
+                                            <p:strVal val="#ppt_y"/>
+                                          </p:val>
+                                        </p:tav>
+                                      </p:tavLst>
+                                    </p:anim>
+                                  </p:childTnLst>
+                                </p:cTn>
+                              </p:par>
+                            </p:childTnLst>
+                          </p:cTn>
+                        </p:par>
+                      </p:childTnLst>
+                    </p:cTn>
+                  </p:par>
+                </p:childTnLst>
+              </p:cTn>
+              <p:prevCondLst>
+                <p:cond evt="onPrev" delay="0">
+                  <p:tgtEl>
+                    <p:sldTgt/>
+                  </p:tgtEl>
+                </p:cond>
+              </p:prevCondLst>
+              <p:nextCondLst>
+                <p:cond evt="onNext" delay="0">
+                  <p:tgtEl>
+                    <p:sldTgt/>
+                  </p:tgtEl>
+                </p:cond>
+              </p:nextCondLst>
+            </p:seq>
+          </p:childTnLst>
+        </p:cTn>
+      </p:par>
+    </p:tnLst>
+  </p:timing>
 </p:sld>
 </file>
 
@@ -12119,7 +12615,13 @@
       </p:grpSpPr>
       <p:sp>
         <p:nvSpPr>
-          <p:cNvPr id="2" name="标题 1"/>
+          <p:cNvPr id="2" name="标题 1">
+            <a:extLst>
+              <a:ext uri="{FF2B5EF4-FFF2-40B4-BE49-F238E27FC236}">
+                <a16:creationId xmlns:a16="http://schemas.microsoft.com/office/drawing/2014/main" id="{5362C121-0C53-4684-BA57-F73D042388DE}"/>
+              </a:ext>
+            </a:extLst>
+          </p:cNvPr>
           <p:cNvSpPr>
             <a:spLocks noGrp="1"/>
           </p:cNvSpPr>
@@ -12133,15 +12635,30 @@
           <a:lstStyle/>
           <a:p>
             <a:r>
+              <a:rPr lang="en-US" altLang="zh-CN" dirty="0"/>
+              <a:t>TO</a:t>
+            </a:r>
+            <a:r>
               <a:rPr lang="zh-CN" altLang="en-US" dirty="0"/>
-              <a:t>代码结构</a:t>
-            </a:r>
-          </a:p>
-        </p:txBody>
-      </p:sp>
-      <p:sp>
-        <p:nvSpPr>
-          <p:cNvPr id="3" name="日期占位符 2"/>
+              <a:t>算法</a:t>
+            </a:r>
+            <a:r>
+              <a:rPr lang="zh-CN" altLang="en-US" dirty="0" smtClean="0"/>
+              <a:t>流程</a:t>
+            </a:r>
+            <a:endParaRPr lang="zh-CN" altLang="en-US" dirty="0"/>
+          </a:p>
+        </p:txBody>
+      </p:sp>
+      <p:sp>
+        <p:nvSpPr>
+          <p:cNvPr id="3" name="日期占位符 2">
+            <a:extLst>
+              <a:ext uri="{FF2B5EF4-FFF2-40B4-BE49-F238E27FC236}">
+                <a16:creationId xmlns:a16="http://schemas.microsoft.com/office/drawing/2014/main" id="{1D8536AD-AFEF-44D4-928E-786CC5FCE131}"/>
+              </a:ext>
+            </a:extLst>
+          </p:cNvPr>
           <p:cNvSpPr>
             <a:spLocks noGrp="1"/>
           </p:cNvSpPr>
@@ -12165,7 +12682,13 @@
       </p:sp>
       <p:sp>
         <p:nvSpPr>
-          <p:cNvPr id="4" name="灯片编号占位符 3"/>
+          <p:cNvPr id="4" name="灯片编号占位符 3">
+            <a:extLst>
+              <a:ext uri="{FF2B5EF4-FFF2-40B4-BE49-F238E27FC236}">
+                <a16:creationId xmlns:a16="http://schemas.microsoft.com/office/drawing/2014/main" id="{DC0302D7-4DCD-42C2-A3EC-3D18D09C88A3}"/>
+              </a:ext>
+            </a:extLst>
+          </p:cNvPr>
           <p:cNvSpPr>
             <a:spLocks noGrp="1"/>
           </p:cNvSpPr>
@@ -12196,7 +12719,13 @@
       </p:sp>
       <p:sp>
         <p:nvSpPr>
-          <p:cNvPr id="5" name="内容占位符 4"/>
+          <p:cNvPr id="5" name="内容占位符 4">
+            <a:extLst>
+              <a:ext uri="{FF2B5EF4-FFF2-40B4-BE49-F238E27FC236}">
+                <a16:creationId xmlns:a16="http://schemas.microsoft.com/office/drawing/2014/main" id="{C8C271D5-F3D1-4480-B738-B2C91AE09D95}"/>
+              </a:ext>
+            </a:extLst>
+          </p:cNvPr>
           <p:cNvSpPr>
             <a:spLocks noGrp="1"/>
           </p:cNvSpPr>
@@ -12211,117 +12740,84 @@
           </a:bodyPr>
           <a:lstStyle/>
           <a:p>
-            <a:pPr marL="0" indent="0">
-              <a:buNone/>
-            </a:pPr>
-            <a:endParaRPr lang="en-US" altLang="zh-CN" dirty="0"/>
-          </a:p>
-          <a:p>
-            <a:r>
-              <a:rPr lang="en-US" altLang="zh-CN" dirty="0" err="1"/>
-              <a:t>cc_to.h</a:t>
-            </a:r>
-            <a:r>
-              <a:rPr lang="en-US" altLang="zh-CN" dirty="0"/>
-              <a:t>/.</a:t>
-            </a:r>
-            <a:r>
-              <a:rPr lang="en-US" altLang="zh-CN" dirty="0" err="1"/>
-              <a:t>cpp</a:t>
-            </a:r>
+            <a:pPr lvl="0"/>
             <a:r>
               <a:rPr lang="zh-CN" altLang="en-US" dirty="0"/>
-              <a:t>：基于</a:t>
-            </a:r>
-            <a:r>
-              <a:rPr lang="en-US" altLang="zh-CN" dirty="0"/>
-              <a:t>basic to</a:t>
-            </a:r>
+              <a:t>同</a:t>
+            </a:r>
+            <a:r>
+              <a:rPr lang="zh-CN" altLang="en-US" dirty="0" smtClean="0"/>
+              <a:t>一事务</a:t>
+            </a:r>
+            <a:r>
+              <a:rPr lang="zh-CN" altLang="en-US" dirty="0" smtClean="0"/>
+              <a:t>后续的写失败导致之前的写撤销，引发一系列异常</a:t>
+            </a:r>
+            <a:endParaRPr lang="en-US" altLang="zh-CN" dirty="0" smtClean="0"/>
+          </a:p>
+          <a:p>
+            <a:pPr lvl="1"/>
             <a:r>
               <a:rPr lang="zh-CN" altLang="en-US" dirty="0"/>
-              <a:t>的读写操作的实现</a:t>
-            </a:r>
-            <a:endParaRPr lang="en-US" altLang="zh-CN" dirty="0"/>
-          </a:p>
-          <a:p>
-            <a:r>
-              <a:rPr lang="en-US" altLang="zh-CN" dirty="0" err="1"/>
-              <a:t>data_to.h</a:t>
-            </a:r>
-            <a:r>
-              <a:rPr lang="en-US" altLang="zh-CN" dirty="0"/>
-              <a:t>/.</a:t>
-            </a:r>
-            <a:r>
-              <a:rPr lang="en-US" altLang="zh-CN" dirty="0" err="1"/>
-              <a:t>cpp</a:t>
+              <a:t>所有写均不能直写数据，需先预写成功</a:t>
+            </a:r>
+            <a:r>
+              <a:rPr lang="zh-CN" altLang="en-US" dirty="0" smtClean="0"/>
+              <a:t>，再进行</a:t>
             </a:r>
             <a:r>
               <a:rPr lang="zh-CN" altLang="en-US" dirty="0"/>
-              <a:t>：</a:t>
-            </a:r>
-            <a:r>
-              <a:rPr lang="en-US" altLang="zh-CN" dirty="0"/>
-              <a:t>basic to</a:t>
-            </a:r>
-            <a:r>
-              <a:rPr lang="zh-CN" altLang="en-US" dirty="0"/>
-              <a:t>的算法实现</a:t>
-            </a:r>
-            <a:endParaRPr lang="en-US" altLang="zh-CN" dirty="0"/>
-          </a:p>
-          <a:p>
-            <a:r>
-              <a:rPr lang="en-US" altLang="zh-CN" dirty="0"/>
-              <a:t>main.cpp</a:t>
-            </a:r>
-            <a:r>
-              <a:rPr lang="zh-CN" altLang="en-US" dirty="0"/>
-              <a:t>：程序入口，测试程序的实现</a:t>
-            </a:r>
-          </a:p>
-        </p:txBody>
-      </p:sp>
-      <p:pic>
-        <p:nvPicPr>
-          <p:cNvPr id="6" name="图片 5"/>
-          <p:cNvPicPr>
-            <a:picLocks noChangeAspect="1"/>
-          </p:cNvPicPr>
-          <p:nvPr/>
-        </p:nvPicPr>
-        <p:blipFill>
-          <a:blip r:embed="rId2">
-            <a:extLst>
-              <a:ext uri="{28A0092B-C50C-407E-A947-70E740481C1C}">
-                <a14:useLocalDpi xmlns:a14="http://schemas.microsoft.com/office/drawing/2010/main" val="0"/>
-              </a:ext>
-            </a:extLst>
-          </a:blip>
-          <a:stretch>
-            <a:fillRect/>
-          </a:stretch>
-        </p:blipFill>
-        <p:spPr>
-          <a:xfrm>
-            <a:off x="6495427" y="3756798"/>
-            <a:ext cx="2467319" cy="2600688"/>
-          </a:xfrm>
-          <a:prstGeom prst="rect">
-            <a:avLst/>
-          </a:prstGeom>
-        </p:spPr>
-      </p:pic>
+              <a:t>数据的修改</a:t>
+            </a:r>
+            <a:endParaRPr lang="zh-CN" altLang="zh-CN" dirty="0"/>
+          </a:p>
+          <a:p>
+            <a:pPr lvl="0"/>
+            <a:endParaRPr lang="en-US" altLang="zh-CN" dirty="0" smtClean="0"/>
+          </a:p>
+          <a:p>
+            <a:pPr lvl="0"/>
+            <a:r>
+              <a:rPr lang="zh-CN" altLang="en-US" dirty="0" smtClean="0"/>
+              <a:t>事务对某数据进行第一次读后，其他事务修改该数据，导致不可重复读</a:t>
+            </a:r>
+            <a:endParaRPr lang="en-US" altLang="zh-CN" dirty="0" smtClean="0"/>
+          </a:p>
+          <a:p>
+            <a:pPr lvl="1"/>
+            <a:r>
+              <a:rPr lang="zh-CN" altLang="en-US" dirty="0" smtClean="0"/>
+              <a:t>读操作</a:t>
+            </a:r>
+            <a:r>
+              <a:rPr lang="en-US" altLang="zh-CN" dirty="0" smtClean="0"/>
+              <a:t>copy</a:t>
+            </a:r>
+            <a:r>
+              <a:rPr lang="zh-CN" altLang="en-US" dirty="0" smtClean="0"/>
+              <a:t>出一份数据，后续对该数据的读都在该副本上操作</a:t>
+            </a:r>
+            <a:endParaRPr lang="en-US" altLang="zh-CN" dirty="0" smtClean="0"/>
+          </a:p>
+        </p:txBody>
+      </p:sp>
     </p:spTree>
     <p:extLst>
       <p:ext uri="{BB962C8B-B14F-4D97-AF65-F5344CB8AC3E}">
-        <p14:creationId xmlns:p14="http://schemas.microsoft.com/office/powerpoint/2010/main" val="2648620582"/>
+        <p14:creationId xmlns:p14="http://schemas.microsoft.com/office/powerpoint/2010/main" val="2441817768"/>
       </p:ext>
     </p:extLst>
   </p:cSld>
   <p:clrMapOvr>
     <a:masterClrMapping/>
   </p:clrMapOvr>
+  <p:timing>
+    <p:tnLst>
+      <p:par>
+        <p:cTn id="1" dur="indefinite" restart="never" nodeType="tmRoot"/>
+      </p:par>
+    </p:tnLst>
+  </p:timing>
 </p:sld>
 </file>
 

--- a/并发控制/cc_to/slides/cc_to.pptx
+++ b/并发控制/cc_to/slides/cc_to.pptx
@@ -10147,11 +10147,7 @@
             </a:r>
             <a:r>
               <a:rPr lang="zh-CN" altLang="en-US" dirty="0" smtClean="0"/>
-              <a:t>成功</a:t>
-            </a:r>
-            <a:r>
-              <a:rPr lang="zh-CN" altLang="en-US" dirty="0" smtClean="0"/>
-              <a:t>，再</a:t>
+              <a:t>成功，再</a:t>
             </a:r>
             <a:r>
               <a:rPr lang="zh-CN" altLang="en-US" dirty="0"/>
@@ -10304,7 +10300,7 @@
         <p:spPr/>
         <p:txBody>
           <a:bodyPr>
-            <a:normAutofit lnSpcReduction="10000"/>
+            <a:normAutofit/>
           </a:bodyPr>
           <a:lstStyle/>
           <a:p>
@@ -10397,12 +10393,12 @@
             <a:pPr lvl="2"/>
             <a:r>
               <a:rPr lang="zh-CN" altLang="en-US" dirty="0" smtClean="0"/>
-              <a:t>用于每执行一次写操作，更新相应的读和预写列表</a:t>
-            </a:r>
-            <a:endParaRPr lang="en-US" altLang="zh-CN" dirty="0" smtClean="0"/>
-          </a:p>
-          <a:p>
-            <a:pPr lvl="2"/>
+              <a:t>用于每执行一次写操作，更新相应的读和预写</a:t>
+            </a:r>
+            <a:r>
+              <a:rPr lang="zh-CN" altLang="en-US" dirty="0" smtClean="0"/>
+              <a:t>列表</a:t>
+            </a:r>
             <a:endParaRPr lang="en-US" altLang="zh-CN" dirty="0" smtClean="0"/>
           </a:p>
           <a:p>
@@ -10742,11 +10738,11 @@
           <a:p>
             <a:r>
               <a:rPr lang="en-US" altLang="zh-CN" dirty="0" smtClean="0"/>
-              <a:t>Timestamp Ordering</a:t>
-            </a:r>
-            <a:r>
-              <a:rPr lang="zh-CN" altLang="en-US" dirty="0" smtClean="0"/>
-              <a:t>简介</a:t>
+              <a:t>Timestamp </a:t>
+            </a:r>
+            <a:r>
+              <a:rPr lang="en-US" altLang="zh-CN" dirty="0" smtClean="0"/>
+              <a:t>Ordering</a:t>
             </a:r>
             <a:endParaRPr lang="zh-CN" altLang="en-US" dirty="0"/>
           </a:p>
@@ -11018,11 +11014,7 @@
             </a:r>
             <a:r>
               <a:rPr lang="en-US" altLang="zh-CN" sz="2800" dirty="0"/>
-              <a:t>abort &amp; </a:t>
-            </a:r>
-            <a:r>
-              <a:rPr lang="en-US" altLang="zh-CN" sz="2800" dirty="0"/>
-              <a:t>restart</a:t>
+              <a:t>abort &amp; restart</a:t>
             </a:r>
           </a:p>
           <a:p>
@@ -11290,11 +11282,7 @@
             </a:r>
             <a:r>
               <a:rPr lang="en-US" altLang="zh-CN" sz="2900" dirty="0"/>
-              <a:t>abort &amp; </a:t>
-            </a:r>
-            <a:r>
-              <a:rPr lang="en-US" altLang="zh-CN" sz="2900" dirty="0"/>
-              <a:t>restart</a:t>
+              <a:t>abort &amp; restart</a:t>
             </a:r>
           </a:p>
           <a:p>
@@ -11406,7 +11394,13 @@
           </a:p>
           <a:p>
             <a:r>
-              <a:rPr lang="en-US" altLang="zh-CN" b="1" u="sng" dirty="0" err="1">
+              <a:rPr lang="zh-CN" altLang="en-US" b="1" u="sng" dirty="0" smtClean="0">
+                <a:hlinkClick r:id="rId3"/>
+              </a:rPr>
+              <a:t>目录：</a:t>
+            </a:r>
+            <a:r>
+              <a:rPr lang="en-US" altLang="zh-CN" b="1" u="sng" dirty="0" err="1" smtClean="0">
                 <a:hlinkClick r:id="rId3"/>
               </a:rPr>
               <a:t>DaSE_DBMS_Implemention</a:t>
@@ -12424,11 +12418,7 @@
             </a:r>
             <a:r>
               <a:rPr lang="zh-CN" altLang="en-US" dirty="0" smtClean="0"/>
-              <a:t>增大，执行小于该时间戳的写</a:t>
-            </a:r>
-            <a:r>
-              <a:rPr lang="zh-CN" altLang="en-US" dirty="0" smtClean="0"/>
-              <a:t>操作</a:t>
+              <a:t>增大，执行小于该时间戳的写操作</a:t>
             </a:r>
             <a:endParaRPr lang="en-US" altLang="zh-CN" dirty="0" smtClean="0"/>
           </a:p>
@@ -12747,11 +12737,7 @@
             </a:r>
             <a:r>
               <a:rPr lang="zh-CN" altLang="en-US" dirty="0" smtClean="0"/>
-              <a:t>一事务</a:t>
-            </a:r>
-            <a:r>
-              <a:rPr lang="zh-CN" altLang="en-US" dirty="0" smtClean="0"/>
-              <a:t>后续的写失败导致之前的写撤销，引发一系列异常</a:t>
+              <a:t>一事务后续的写失败导致之前的写撤销，引发一系列异常</a:t>
             </a:r>
             <a:endParaRPr lang="en-US" altLang="zh-CN" dirty="0" smtClean="0"/>
           </a:p>
